--- a/ZhangJihua-weekly-report.pptx
+++ b/ZhangJihua-weekly-report.pptx
@@ -5,16 +5,20 @@
     <p:sldMasterId id="2147483648" r:id="rId1"/>
   </p:sldMasterIdLst>
   <p:notesMasterIdLst>
-    <p:notesMasterId r:id="rId6"/>
+    <p:notesMasterId r:id="rId10"/>
   </p:notesMasterIdLst>
   <p:handoutMasterIdLst>
-    <p:handoutMasterId r:id="rId7"/>
+    <p:handoutMasterId r:id="rId11"/>
   </p:handoutMasterIdLst>
   <p:sldIdLst>
     <p:sldId id="260" r:id="rId2"/>
     <p:sldId id="257" r:id="rId3"/>
     <p:sldId id="258" r:id="rId4"/>
     <p:sldId id="259" r:id="rId5"/>
+    <p:sldId id="261" r:id="rId6"/>
+    <p:sldId id="262" r:id="rId7"/>
+    <p:sldId id="263" r:id="rId8"/>
+    <p:sldId id="264" r:id="rId9"/>
   </p:sldIdLst>
   <p:sldSz cx="12192000" cy="6858000"/>
   <p:notesSz cx="6858000" cy="9144000"/>
@@ -218,7 +222,7 @@
           <a:p>
             <a:fld id="{14F3DC20-60EE-4AC4-A336-F3C5F824C6A0}" type="datetimeFigureOut">
               <a:rPr lang="zh-CN" altLang="en-US" smtClean="0"/>
-              <a:t>2024/3/1</a:t>
+              <a:t>2024/3/8</a:t>
             </a:fld>
             <a:endParaRPr lang="zh-CN" altLang="en-US"/>
           </a:p>
@@ -411,7 +415,7 @@
           <a:p>
             <a:fld id="{366AB279-2788-414B-AE10-F50EF6F25E65}" type="datetimeFigureOut">
               <a:rPr lang="zh-CN" altLang="en-US" smtClean="0"/>
-              <a:t>2024/3/1</a:t>
+              <a:t>2024/3/8</a:t>
             </a:fld>
             <a:endParaRPr lang="zh-CN" altLang="en-US"/>
           </a:p>
@@ -841,7 +845,7 @@
           <a:p>
             <a:fld id="{15E169F2-D236-49A1-8FEA-62A763B8807F}" type="datetimeFigureOut">
               <a:rPr lang="zh-CN" altLang="en-US" smtClean="0"/>
-              <a:t>2024/3/1</a:t>
+              <a:t>2024/3/8</a:t>
             </a:fld>
             <a:endParaRPr lang="zh-CN" altLang="en-US"/>
           </a:p>
@@ -1039,7 +1043,7 @@
           <a:p>
             <a:fld id="{15E169F2-D236-49A1-8FEA-62A763B8807F}" type="datetimeFigureOut">
               <a:rPr lang="zh-CN" altLang="en-US" smtClean="0"/>
-              <a:t>2024/3/1</a:t>
+              <a:t>2024/3/8</a:t>
             </a:fld>
             <a:endParaRPr lang="zh-CN" altLang="en-US"/>
           </a:p>
@@ -1247,7 +1251,7 @@
           <a:p>
             <a:fld id="{15E169F2-D236-49A1-8FEA-62A763B8807F}" type="datetimeFigureOut">
               <a:rPr lang="zh-CN" altLang="en-US" smtClean="0"/>
-              <a:t>2024/3/1</a:t>
+              <a:t>2024/3/8</a:t>
             </a:fld>
             <a:endParaRPr lang="zh-CN" altLang="en-US"/>
           </a:p>
@@ -1445,7 +1449,7 @@
           <a:p>
             <a:fld id="{15E169F2-D236-49A1-8FEA-62A763B8807F}" type="datetimeFigureOut">
               <a:rPr lang="zh-CN" altLang="en-US" smtClean="0"/>
-              <a:t>2024/3/1</a:t>
+              <a:t>2024/3/8</a:t>
             </a:fld>
             <a:endParaRPr lang="zh-CN" altLang="en-US"/>
           </a:p>
@@ -1720,7 +1724,7 @@
           <a:p>
             <a:fld id="{15E169F2-D236-49A1-8FEA-62A763B8807F}" type="datetimeFigureOut">
               <a:rPr lang="zh-CN" altLang="en-US" smtClean="0"/>
-              <a:t>2024/3/1</a:t>
+              <a:t>2024/3/8</a:t>
             </a:fld>
             <a:endParaRPr lang="zh-CN" altLang="en-US"/>
           </a:p>
@@ -1985,7 +1989,7 @@
           <a:p>
             <a:fld id="{15E169F2-D236-49A1-8FEA-62A763B8807F}" type="datetimeFigureOut">
               <a:rPr lang="zh-CN" altLang="en-US" smtClean="0"/>
-              <a:t>2024/3/1</a:t>
+              <a:t>2024/3/8</a:t>
             </a:fld>
             <a:endParaRPr lang="zh-CN" altLang="en-US"/>
           </a:p>
@@ -2397,7 +2401,7 @@
           <a:p>
             <a:fld id="{15E169F2-D236-49A1-8FEA-62A763B8807F}" type="datetimeFigureOut">
               <a:rPr lang="zh-CN" altLang="en-US" smtClean="0"/>
-              <a:t>2024/3/1</a:t>
+              <a:t>2024/3/8</a:t>
             </a:fld>
             <a:endParaRPr lang="zh-CN" altLang="en-US"/>
           </a:p>
@@ -2538,7 +2542,7 @@
           <a:p>
             <a:fld id="{15E169F2-D236-49A1-8FEA-62A763B8807F}" type="datetimeFigureOut">
               <a:rPr lang="zh-CN" altLang="en-US" smtClean="0"/>
-              <a:t>2024/3/1</a:t>
+              <a:t>2024/3/8</a:t>
             </a:fld>
             <a:endParaRPr lang="zh-CN" altLang="en-US"/>
           </a:p>
@@ -2651,7 +2655,7 @@
           <a:p>
             <a:fld id="{15E169F2-D236-49A1-8FEA-62A763B8807F}" type="datetimeFigureOut">
               <a:rPr lang="zh-CN" altLang="en-US" smtClean="0"/>
-              <a:t>2024/3/1</a:t>
+              <a:t>2024/3/8</a:t>
             </a:fld>
             <a:endParaRPr lang="zh-CN" altLang="en-US"/>
           </a:p>
@@ -2962,7 +2966,7 @@
           <a:p>
             <a:fld id="{15E169F2-D236-49A1-8FEA-62A763B8807F}" type="datetimeFigureOut">
               <a:rPr lang="zh-CN" altLang="en-US" smtClean="0"/>
-              <a:t>2024/3/1</a:t>
+              <a:t>2024/3/8</a:t>
             </a:fld>
             <a:endParaRPr lang="zh-CN" altLang="en-US"/>
           </a:p>
@@ -3250,7 +3254,7 @@
           <a:p>
             <a:fld id="{15E169F2-D236-49A1-8FEA-62A763B8807F}" type="datetimeFigureOut">
               <a:rPr lang="zh-CN" altLang="en-US" smtClean="0"/>
-              <a:t>2024/3/1</a:t>
+              <a:t>2024/3/8</a:t>
             </a:fld>
             <a:endParaRPr lang="zh-CN" altLang="en-US"/>
           </a:p>
@@ -3491,7 +3495,7 @@
           <a:p>
             <a:fld id="{15E169F2-D236-49A1-8FEA-62A763B8807F}" type="datetimeFigureOut">
               <a:rPr lang="zh-CN" altLang="en-US" smtClean="0"/>
-              <a:t>2024/3/1</a:t>
+              <a:t>2024/3/8</a:t>
             </a:fld>
             <a:endParaRPr lang="zh-CN" altLang="en-US"/>
           </a:p>
@@ -4636,6 +4640,386 @@
     <p:extLst>
       <p:ext uri="{BB962C8B-B14F-4D97-AF65-F5344CB8AC3E}">
         <p14:creationId xmlns:p14="http://schemas.microsoft.com/office/powerpoint/2010/main" val="1921611374"/>
+      </p:ext>
+    </p:extLst>
+  </p:cSld>
+  <p:clrMapOvr>
+    <a:masterClrMapping/>
+  </p:clrMapOvr>
+</p:sld>
+</file>
+
+<file path=ppt/slides/slide5.xml><?xml version="1.0" encoding="utf-8"?>
+<p:sld xmlns:a="http://schemas.openxmlformats.org/drawingml/2006/main" xmlns:r="http://schemas.openxmlformats.org/officeDocument/2006/relationships" xmlns:p="http://schemas.openxmlformats.org/presentationml/2006/main">
+  <p:cSld>
+    <p:spTree>
+      <p:nvGrpSpPr>
+        <p:cNvPr id="1" name=""/>
+        <p:cNvGrpSpPr/>
+        <p:nvPr/>
+      </p:nvGrpSpPr>
+      <p:grpSpPr>
+        <a:xfrm>
+          <a:off x="0" y="0"/>
+          <a:ext cx="0" cy="0"/>
+          <a:chOff x="0" y="0"/>
+          <a:chExt cx="0" cy="0"/>
+        </a:xfrm>
+      </p:grpSpPr>
+      <p:sp>
+        <p:nvSpPr>
+          <p:cNvPr id="2" name="标题 1">
+            <a:extLst>
+              <a:ext uri="{FF2B5EF4-FFF2-40B4-BE49-F238E27FC236}">
+                <a16:creationId xmlns:a16="http://schemas.microsoft.com/office/drawing/2014/main" id="{7E81E66A-F469-FC5D-5C63-04A78DB16B95}"/>
+              </a:ext>
+            </a:extLst>
+          </p:cNvPr>
+          <p:cNvSpPr>
+            <a:spLocks noGrp="1"/>
+          </p:cNvSpPr>
+          <p:nvPr>
+            <p:ph type="title"/>
+          </p:nvPr>
+        </p:nvSpPr>
+        <p:spPr/>
+        <p:txBody>
+          <a:bodyPr/>
+          <a:lstStyle/>
+          <a:p>
+            <a:r>
+              <a:rPr lang="en-US" altLang="zh-CN" dirty="0"/>
+              <a:t>20240302-20240308</a:t>
+            </a:r>
+            <a:endParaRPr lang="zh-CN" altLang="en-US" dirty="0"/>
+          </a:p>
+        </p:txBody>
+      </p:sp>
+      <p:sp>
+        <p:nvSpPr>
+          <p:cNvPr id="3" name="文本占位符 2">
+            <a:extLst>
+              <a:ext uri="{FF2B5EF4-FFF2-40B4-BE49-F238E27FC236}">
+                <a16:creationId xmlns:a16="http://schemas.microsoft.com/office/drawing/2014/main" id="{431CBDA6-8517-1935-D4EB-2EEDDF1436AB}"/>
+              </a:ext>
+            </a:extLst>
+          </p:cNvPr>
+          <p:cNvSpPr>
+            <a:spLocks noGrp="1"/>
+          </p:cNvSpPr>
+          <p:nvPr>
+            <p:ph type="body" idx="1"/>
+          </p:nvPr>
+        </p:nvSpPr>
+        <p:spPr/>
+        <p:txBody>
+          <a:bodyPr/>
+          <a:lstStyle/>
+          <a:p>
+            <a:endParaRPr lang="zh-CN" altLang="en-US"/>
+          </a:p>
+        </p:txBody>
+      </p:sp>
+    </p:spTree>
+    <p:extLst>
+      <p:ext uri="{BB962C8B-B14F-4D97-AF65-F5344CB8AC3E}">
+        <p14:creationId xmlns:p14="http://schemas.microsoft.com/office/powerpoint/2010/main" val="3463629277"/>
+      </p:ext>
+    </p:extLst>
+  </p:cSld>
+  <p:clrMapOvr>
+    <a:masterClrMapping/>
+  </p:clrMapOvr>
+</p:sld>
+</file>
+
+<file path=ppt/slides/slide6.xml><?xml version="1.0" encoding="utf-8"?>
+<p:sld xmlns:a="http://schemas.openxmlformats.org/drawingml/2006/main" xmlns:r="http://schemas.openxmlformats.org/officeDocument/2006/relationships" xmlns:p="http://schemas.openxmlformats.org/presentationml/2006/main">
+  <p:cSld>
+    <p:spTree>
+      <p:nvGrpSpPr>
+        <p:cNvPr id="1" name=""/>
+        <p:cNvGrpSpPr/>
+        <p:nvPr/>
+      </p:nvGrpSpPr>
+      <p:grpSpPr>
+        <a:xfrm>
+          <a:off x="0" y="0"/>
+          <a:ext cx="0" cy="0"/>
+          <a:chOff x="0" y="0"/>
+          <a:chExt cx="0" cy="0"/>
+        </a:xfrm>
+      </p:grpSpPr>
+      <p:sp>
+        <p:nvSpPr>
+          <p:cNvPr id="2" name="标题 1">
+            <a:extLst>
+              <a:ext uri="{FF2B5EF4-FFF2-40B4-BE49-F238E27FC236}">
+                <a16:creationId xmlns:a16="http://schemas.microsoft.com/office/drawing/2014/main" id="{E66CE760-7B40-612A-32BB-F8A32B1677B4}"/>
+              </a:ext>
+            </a:extLst>
+          </p:cNvPr>
+          <p:cNvSpPr>
+            <a:spLocks noGrp="1"/>
+          </p:cNvSpPr>
+          <p:nvPr>
+            <p:ph type="title"/>
+          </p:nvPr>
+        </p:nvSpPr>
+        <p:spPr/>
+        <p:txBody>
+          <a:bodyPr/>
+          <a:lstStyle/>
+          <a:p>
+            <a:r>
+              <a:rPr lang="zh-CN" altLang="en-US" dirty="0"/>
+              <a:t>进展</a:t>
+            </a:r>
+          </a:p>
+        </p:txBody>
+      </p:sp>
+      <p:sp>
+        <p:nvSpPr>
+          <p:cNvPr id="3" name="内容占位符 2">
+            <a:extLst>
+              <a:ext uri="{FF2B5EF4-FFF2-40B4-BE49-F238E27FC236}">
+                <a16:creationId xmlns:a16="http://schemas.microsoft.com/office/drawing/2014/main" id="{5A3F5154-B230-E071-AC59-C099DE562580}"/>
+              </a:ext>
+            </a:extLst>
+          </p:cNvPr>
+          <p:cNvSpPr>
+            <a:spLocks noGrp="1"/>
+          </p:cNvSpPr>
+          <p:nvPr>
+            <p:ph idx="1"/>
+          </p:nvPr>
+        </p:nvSpPr>
+        <p:spPr/>
+        <p:txBody>
+          <a:bodyPr/>
+          <a:lstStyle/>
+          <a:p>
+            <a:r>
+              <a:rPr lang="zh-CN" altLang="en-US" dirty="0"/>
+              <a:t>基本完成了词法语法解析的模块的具体框架结构，现在只需要完善基本功能和测试。</a:t>
+            </a:r>
+            <a:endParaRPr lang="en-US" altLang="zh-CN" dirty="0"/>
+          </a:p>
+          <a:p>
+            <a:endParaRPr lang="en-US" altLang="zh-CN" dirty="0"/>
+          </a:p>
+          <a:p>
+            <a:endParaRPr lang="zh-CN" altLang="en-US" dirty="0"/>
+          </a:p>
+        </p:txBody>
+      </p:sp>
+    </p:spTree>
+    <p:extLst>
+      <p:ext uri="{BB962C8B-B14F-4D97-AF65-F5344CB8AC3E}">
+        <p14:creationId xmlns:p14="http://schemas.microsoft.com/office/powerpoint/2010/main" val="643455847"/>
+      </p:ext>
+    </p:extLst>
+  </p:cSld>
+  <p:clrMapOvr>
+    <a:masterClrMapping/>
+  </p:clrMapOvr>
+</p:sld>
+</file>
+
+<file path=ppt/slides/slide7.xml><?xml version="1.0" encoding="utf-8"?>
+<p:sld xmlns:a="http://schemas.openxmlformats.org/drawingml/2006/main" xmlns:r="http://schemas.openxmlformats.org/officeDocument/2006/relationships" xmlns:p="http://schemas.openxmlformats.org/presentationml/2006/main">
+  <p:cSld>
+    <p:spTree>
+      <p:nvGrpSpPr>
+        <p:cNvPr id="1" name=""/>
+        <p:cNvGrpSpPr/>
+        <p:nvPr/>
+      </p:nvGrpSpPr>
+      <p:grpSpPr>
+        <a:xfrm>
+          <a:off x="0" y="0"/>
+          <a:ext cx="0" cy="0"/>
+          <a:chOff x="0" y="0"/>
+          <a:chExt cx="0" cy="0"/>
+        </a:xfrm>
+      </p:grpSpPr>
+      <p:sp>
+        <p:nvSpPr>
+          <p:cNvPr id="2" name="标题 1">
+            <a:extLst>
+              <a:ext uri="{FF2B5EF4-FFF2-40B4-BE49-F238E27FC236}">
+                <a16:creationId xmlns:a16="http://schemas.microsoft.com/office/drawing/2014/main" id="{B45F798B-1F46-C624-0E68-49A5E7534B83}"/>
+              </a:ext>
+            </a:extLst>
+          </p:cNvPr>
+          <p:cNvSpPr>
+            <a:spLocks noGrp="1"/>
+          </p:cNvSpPr>
+          <p:nvPr>
+            <p:ph type="title"/>
+          </p:nvPr>
+        </p:nvSpPr>
+        <p:spPr/>
+        <p:txBody>
+          <a:bodyPr/>
+          <a:lstStyle/>
+          <a:p>
+            <a:r>
+              <a:rPr lang="zh-CN" altLang="en-US" dirty="0"/>
+              <a:t>计划</a:t>
+            </a:r>
+          </a:p>
+        </p:txBody>
+      </p:sp>
+      <p:sp>
+        <p:nvSpPr>
+          <p:cNvPr id="3" name="内容占位符 2">
+            <a:extLst>
+              <a:ext uri="{FF2B5EF4-FFF2-40B4-BE49-F238E27FC236}">
+                <a16:creationId xmlns:a16="http://schemas.microsoft.com/office/drawing/2014/main" id="{07760507-A43F-34FA-E943-D7F2EB96EB22}"/>
+              </a:ext>
+            </a:extLst>
+          </p:cNvPr>
+          <p:cNvSpPr>
+            <a:spLocks noGrp="1"/>
+          </p:cNvSpPr>
+          <p:nvPr>
+            <p:ph idx="1"/>
+          </p:nvPr>
+        </p:nvSpPr>
+        <p:spPr/>
+        <p:txBody>
+          <a:bodyPr/>
+          <a:lstStyle/>
+          <a:p>
+            <a:r>
+              <a:rPr lang="en-US" altLang="zh-CN" dirty="0"/>
+              <a:t>1. </a:t>
+            </a:r>
+            <a:r>
+              <a:rPr lang="zh-CN" altLang="en-US" dirty="0"/>
+              <a:t>继续写完对 </a:t>
+            </a:r>
+            <a:r>
+              <a:rPr lang="en-US" altLang="zh-CN" dirty="0" err="1"/>
+              <a:t>tla</a:t>
+            </a:r>
+            <a:r>
+              <a:rPr lang="en-US" altLang="zh-CN" dirty="0"/>
+              <a:t> </a:t>
+            </a:r>
+            <a:r>
+              <a:rPr lang="zh-CN" altLang="en-US" dirty="0"/>
+              <a:t>进行词法语法解析的模块</a:t>
+            </a:r>
+            <a:endParaRPr lang="en-US" altLang="zh-CN" dirty="0"/>
+          </a:p>
+          <a:p>
+            <a:r>
+              <a:rPr lang="en-US" altLang="zh-CN" dirty="0"/>
+              <a:t>2. </a:t>
+            </a:r>
+            <a:r>
+              <a:rPr lang="zh-CN" altLang="en-US" dirty="0"/>
+              <a:t>开题报告</a:t>
+            </a:r>
+          </a:p>
+        </p:txBody>
+      </p:sp>
+    </p:spTree>
+    <p:extLst>
+      <p:ext uri="{BB962C8B-B14F-4D97-AF65-F5344CB8AC3E}">
+        <p14:creationId xmlns:p14="http://schemas.microsoft.com/office/powerpoint/2010/main" val="375048257"/>
+      </p:ext>
+    </p:extLst>
+  </p:cSld>
+  <p:clrMapOvr>
+    <a:masterClrMapping/>
+  </p:clrMapOvr>
+</p:sld>
+</file>
+
+<file path=ppt/slides/slide8.xml><?xml version="1.0" encoding="utf-8"?>
+<p:sld xmlns:a="http://schemas.openxmlformats.org/drawingml/2006/main" xmlns:r="http://schemas.openxmlformats.org/officeDocument/2006/relationships" xmlns:p="http://schemas.openxmlformats.org/presentationml/2006/main">
+  <p:cSld>
+    <p:spTree>
+      <p:nvGrpSpPr>
+        <p:cNvPr id="1" name=""/>
+        <p:cNvGrpSpPr/>
+        <p:nvPr/>
+      </p:nvGrpSpPr>
+      <p:grpSpPr>
+        <a:xfrm>
+          <a:off x="0" y="0"/>
+          <a:ext cx="0" cy="0"/>
+          <a:chOff x="0" y="0"/>
+          <a:chExt cx="0" cy="0"/>
+        </a:xfrm>
+      </p:grpSpPr>
+      <p:sp>
+        <p:nvSpPr>
+          <p:cNvPr id="2" name="标题 1">
+            <a:extLst>
+              <a:ext uri="{FF2B5EF4-FFF2-40B4-BE49-F238E27FC236}">
+                <a16:creationId xmlns:a16="http://schemas.microsoft.com/office/drawing/2014/main" id="{95C14CBF-5CFE-097F-16CD-AF221D9EA3BC}"/>
+              </a:ext>
+            </a:extLst>
+          </p:cNvPr>
+          <p:cNvSpPr>
+            <a:spLocks noGrp="1"/>
+          </p:cNvSpPr>
+          <p:nvPr>
+            <p:ph type="title"/>
+          </p:nvPr>
+        </p:nvSpPr>
+        <p:spPr/>
+        <p:txBody>
+          <a:bodyPr/>
+          <a:lstStyle/>
+          <a:p>
+            <a:r>
+              <a:rPr lang="zh-CN" altLang="en-US" dirty="0"/>
+              <a:t>问题</a:t>
+            </a:r>
+          </a:p>
+        </p:txBody>
+      </p:sp>
+      <p:sp>
+        <p:nvSpPr>
+          <p:cNvPr id="3" name="内容占位符 2">
+            <a:extLst>
+              <a:ext uri="{FF2B5EF4-FFF2-40B4-BE49-F238E27FC236}">
+                <a16:creationId xmlns:a16="http://schemas.microsoft.com/office/drawing/2014/main" id="{C7FADBF0-453D-0A00-6F57-F4741B49AFFA}"/>
+              </a:ext>
+            </a:extLst>
+          </p:cNvPr>
+          <p:cNvSpPr>
+            <a:spLocks noGrp="1"/>
+          </p:cNvSpPr>
+          <p:nvPr>
+            <p:ph idx="1"/>
+          </p:nvPr>
+        </p:nvSpPr>
+        <p:spPr/>
+        <p:txBody>
+          <a:bodyPr/>
+          <a:lstStyle/>
+          <a:p>
+            <a:r>
+              <a:rPr lang="zh-CN" altLang="en-US" dirty="0"/>
+              <a:t>开题报告的具体细节</a:t>
+            </a:r>
+            <a:endParaRPr lang="en-US" altLang="zh-CN" dirty="0"/>
+          </a:p>
+          <a:p>
+            <a:endParaRPr lang="zh-CN" altLang="en-US" dirty="0"/>
+          </a:p>
+        </p:txBody>
+      </p:sp>
+    </p:spTree>
+    <p:extLst>
+      <p:ext uri="{BB962C8B-B14F-4D97-AF65-F5344CB8AC3E}">
+        <p14:creationId xmlns:p14="http://schemas.microsoft.com/office/powerpoint/2010/main" val="303327420"/>
       </p:ext>
     </p:extLst>
   </p:cSld>

--- a/ZhangJihua-weekly-report.pptx
+++ b/ZhangJihua-weekly-report.pptx
@@ -5,10 +5,10 @@
     <p:sldMasterId id="2147483648" r:id="rId1"/>
   </p:sldMasterIdLst>
   <p:notesMasterIdLst>
-    <p:notesMasterId r:id="rId10"/>
+    <p:notesMasterId r:id="rId14"/>
   </p:notesMasterIdLst>
   <p:handoutMasterIdLst>
-    <p:handoutMasterId r:id="rId11"/>
+    <p:handoutMasterId r:id="rId15"/>
   </p:handoutMasterIdLst>
   <p:sldIdLst>
     <p:sldId id="260" r:id="rId2"/>
@@ -19,6 +19,10 @@
     <p:sldId id="262" r:id="rId7"/>
     <p:sldId id="263" r:id="rId8"/>
     <p:sldId id="264" r:id="rId9"/>
+    <p:sldId id="265" r:id="rId10"/>
+    <p:sldId id="266" r:id="rId11"/>
+    <p:sldId id="268" r:id="rId12"/>
+    <p:sldId id="267" r:id="rId13"/>
   </p:sldIdLst>
   <p:sldSz cx="12192000" cy="6858000"/>
   <p:notesSz cx="6858000" cy="9144000"/>
@@ -222,7 +226,7 @@
           <a:p>
             <a:fld id="{14F3DC20-60EE-4AC4-A336-F3C5F824C6A0}" type="datetimeFigureOut">
               <a:rPr lang="zh-CN" altLang="en-US" smtClean="0"/>
-              <a:t>2024/3/8</a:t>
+              <a:t>2024/3/22</a:t>
             </a:fld>
             <a:endParaRPr lang="zh-CN" altLang="en-US"/>
           </a:p>
@@ -415,7 +419,7 @@
           <a:p>
             <a:fld id="{366AB279-2788-414B-AE10-F50EF6F25E65}" type="datetimeFigureOut">
               <a:rPr lang="zh-CN" altLang="en-US" smtClean="0"/>
-              <a:t>2024/3/8</a:t>
+              <a:t>2024/3/22</a:t>
             </a:fld>
             <a:endParaRPr lang="zh-CN" altLang="en-US"/>
           </a:p>
@@ -698,6 +702,90 @@
 </p:notesMaster>
 </file>
 
+<file path=ppt/notesSlides/notesSlide1.xml><?xml version="1.0" encoding="utf-8"?>
+<p:notes xmlns:a="http://schemas.openxmlformats.org/drawingml/2006/main" xmlns:r="http://schemas.openxmlformats.org/officeDocument/2006/relationships" xmlns:p="http://schemas.openxmlformats.org/presentationml/2006/main">
+  <p:cSld>
+    <p:spTree>
+      <p:nvGrpSpPr>
+        <p:cNvPr id="1" name=""/>
+        <p:cNvGrpSpPr/>
+        <p:nvPr/>
+      </p:nvGrpSpPr>
+      <p:grpSpPr>
+        <a:xfrm>
+          <a:off x="0" y="0"/>
+          <a:ext cx="0" cy="0"/>
+          <a:chOff x="0" y="0"/>
+          <a:chExt cx="0" cy="0"/>
+        </a:xfrm>
+      </p:grpSpPr>
+      <p:sp>
+        <p:nvSpPr>
+          <p:cNvPr id="2" name="幻灯片图像占位符 1"/>
+          <p:cNvSpPr>
+            <a:spLocks noGrp="1" noRot="1" noChangeAspect="1"/>
+          </p:cNvSpPr>
+          <p:nvPr>
+            <p:ph type="sldImg"/>
+          </p:nvPr>
+        </p:nvSpPr>
+        <p:spPr/>
+      </p:sp>
+      <p:sp>
+        <p:nvSpPr>
+          <p:cNvPr id="3" name="备注占位符 2"/>
+          <p:cNvSpPr>
+            <a:spLocks noGrp="1"/>
+          </p:cNvSpPr>
+          <p:nvPr>
+            <p:ph type="body" idx="1"/>
+          </p:nvPr>
+        </p:nvSpPr>
+        <p:spPr/>
+        <p:txBody>
+          <a:bodyPr/>
+          <a:lstStyle/>
+          <a:p>
+            <a:endParaRPr lang="zh-CN" altLang="en-US" dirty="0"/>
+          </a:p>
+        </p:txBody>
+      </p:sp>
+      <p:sp>
+        <p:nvSpPr>
+          <p:cNvPr id="4" name="灯片编号占位符 3"/>
+          <p:cNvSpPr>
+            <a:spLocks noGrp="1"/>
+          </p:cNvSpPr>
+          <p:nvPr>
+            <p:ph type="sldNum" sz="quarter" idx="5"/>
+          </p:nvPr>
+        </p:nvSpPr>
+        <p:spPr/>
+        <p:txBody>
+          <a:bodyPr/>
+          <a:lstStyle/>
+          <a:p>
+            <a:fld id="{8E2D2D26-9484-4C06-9396-01068B3C1701}" type="slidenum">
+              <a:rPr lang="zh-CN" altLang="en-US" smtClean="0"/>
+              <a:t>10</a:t>
+            </a:fld>
+            <a:endParaRPr lang="zh-CN" altLang="en-US"/>
+          </a:p>
+        </p:txBody>
+      </p:sp>
+    </p:spTree>
+    <p:extLst>
+      <p:ext uri="{BB962C8B-B14F-4D97-AF65-F5344CB8AC3E}">
+        <p14:creationId xmlns:p14="http://schemas.microsoft.com/office/powerpoint/2010/main" val="1574049050"/>
+      </p:ext>
+    </p:extLst>
+  </p:cSld>
+  <p:clrMapOvr>
+    <a:masterClrMapping/>
+  </p:clrMapOvr>
+</p:notes>
+</file>
+
 <file path=ppt/slideLayouts/slideLayout1.xml><?xml version="1.0" encoding="utf-8"?>
 <p:sldLayout xmlns:a="http://schemas.openxmlformats.org/drawingml/2006/main" xmlns:r="http://schemas.openxmlformats.org/officeDocument/2006/relationships" xmlns:p="http://schemas.openxmlformats.org/presentationml/2006/main" type="title" preserve="1">
   <p:cSld name="标题幻灯片">
@@ -845,7 +933,7 @@
           <a:p>
             <a:fld id="{15E169F2-D236-49A1-8FEA-62A763B8807F}" type="datetimeFigureOut">
               <a:rPr lang="zh-CN" altLang="en-US" smtClean="0"/>
-              <a:t>2024/3/8</a:t>
+              <a:t>2024/3/22</a:t>
             </a:fld>
             <a:endParaRPr lang="zh-CN" altLang="en-US"/>
           </a:p>
@@ -1043,7 +1131,7 @@
           <a:p>
             <a:fld id="{15E169F2-D236-49A1-8FEA-62A763B8807F}" type="datetimeFigureOut">
               <a:rPr lang="zh-CN" altLang="en-US" smtClean="0"/>
-              <a:t>2024/3/8</a:t>
+              <a:t>2024/3/22</a:t>
             </a:fld>
             <a:endParaRPr lang="zh-CN" altLang="en-US"/>
           </a:p>
@@ -1251,7 +1339,7 @@
           <a:p>
             <a:fld id="{15E169F2-D236-49A1-8FEA-62A763B8807F}" type="datetimeFigureOut">
               <a:rPr lang="zh-CN" altLang="en-US" smtClean="0"/>
-              <a:t>2024/3/8</a:t>
+              <a:t>2024/3/22</a:t>
             </a:fld>
             <a:endParaRPr lang="zh-CN" altLang="en-US"/>
           </a:p>
@@ -1449,7 +1537,7 @@
           <a:p>
             <a:fld id="{15E169F2-D236-49A1-8FEA-62A763B8807F}" type="datetimeFigureOut">
               <a:rPr lang="zh-CN" altLang="en-US" smtClean="0"/>
-              <a:t>2024/3/8</a:t>
+              <a:t>2024/3/22</a:t>
             </a:fld>
             <a:endParaRPr lang="zh-CN" altLang="en-US"/>
           </a:p>
@@ -1724,7 +1812,7 @@
           <a:p>
             <a:fld id="{15E169F2-D236-49A1-8FEA-62A763B8807F}" type="datetimeFigureOut">
               <a:rPr lang="zh-CN" altLang="en-US" smtClean="0"/>
-              <a:t>2024/3/8</a:t>
+              <a:t>2024/3/22</a:t>
             </a:fld>
             <a:endParaRPr lang="zh-CN" altLang="en-US"/>
           </a:p>
@@ -1989,7 +2077,7 @@
           <a:p>
             <a:fld id="{15E169F2-D236-49A1-8FEA-62A763B8807F}" type="datetimeFigureOut">
               <a:rPr lang="zh-CN" altLang="en-US" smtClean="0"/>
-              <a:t>2024/3/8</a:t>
+              <a:t>2024/3/22</a:t>
             </a:fld>
             <a:endParaRPr lang="zh-CN" altLang="en-US"/>
           </a:p>
@@ -2401,7 +2489,7 @@
           <a:p>
             <a:fld id="{15E169F2-D236-49A1-8FEA-62A763B8807F}" type="datetimeFigureOut">
               <a:rPr lang="zh-CN" altLang="en-US" smtClean="0"/>
-              <a:t>2024/3/8</a:t>
+              <a:t>2024/3/22</a:t>
             </a:fld>
             <a:endParaRPr lang="zh-CN" altLang="en-US"/>
           </a:p>
@@ -2542,7 +2630,7 @@
           <a:p>
             <a:fld id="{15E169F2-D236-49A1-8FEA-62A763B8807F}" type="datetimeFigureOut">
               <a:rPr lang="zh-CN" altLang="en-US" smtClean="0"/>
-              <a:t>2024/3/8</a:t>
+              <a:t>2024/3/22</a:t>
             </a:fld>
             <a:endParaRPr lang="zh-CN" altLang="en-US"/>
           </a:p>
@@ -2655,7 +2743,7 @@
           <a:p>
             <a:fld id="{15E169F2-D236-49A1-8FEA-62A763B8807F}" type="datetimeFigureOut">
               <a:rPr lang="zh-CN" altLang="en-US" smtClean="0"/>
-              <a:t>2024/3/8</a:t>
+              <a:t>2024/3/22</a:t>
             </a:fld>
             <a:endParaRPr lang="zh-CN" altLang="en-US"/>
           </a:p>
@@ -2966,7 +3054,7 @@
           <a:p>
             <a:fld id="{15E169F2-D236-49A1-8FEA-62A763B8807F}" type="datetimeFigureOut">
               <a:rPr lang="zh-CN" altLang="en-US" smtClean="0"/>
-              <a:t>2024/3/8</a:t>
+              <a:t>2024/3/22</a:t>
             </a:fld>
             <a:endParaRPr lang="zh-CN" altLang="en-US"/>
           </a:p>
@@ -3254,7 +3342,7 @@
           <a:p>
             <a:fld id="{15E169F2-D236-49A1-8FEA-62A763B8807F}" type="datetimeFigureOut">
               <a:rPr lang="zh-CN" altLang="en-US" smtClean="0"/>
-              <a:t>2024/3/8</a:t>
+              <a:t>2024/3/22</a:t>
             </a:fld>
             <a:endParaRPr lang="zh-CN" altLang="en-US"/>
           </a:p>
@@ -3495,7 +3583,7 @@
           <a:p>
             <a:fld id="{15E169F2-D236-49A1-8FEA-62A763B8807F}" type="datetimeFigureOut">
               <a:rPr lang="zh-CN" altLang="en-US" smtClean="0"/>
-              <a:t>2024/3/8</a:t>
+              <a:t>2024/3/22</a:t>
             </a:fld>
             <a:endParaRPr lang="zh-CN" altLang="en-US"/>
           </a:p>
@@ -3995,6 +4083,447 @@
 </p:sld>
 </file>
 
+<file path=ppt/slides/slide10.xml><?xml version="1.0" encoding="utf-8"?>
+<p:sld xmlns:a="http://schemas.openxmlformats.org/drawingml/2006/main" xmlns:r="http://schemas.openxmlformats.org/officeDocument/2006/relationships" xmlns:p="http://schemas.openxmlformats.org/presentationml/2006/main">
+  <p:cSld>
+    <p:spTree>
+      <p:nvGrpSpPr>
+        <p:cNvPr id="1" name=""/>
+        <p:cNvGrpSpPr/>
+        <p:nvPr/>
+      </p:nvGrpSpPr>
+      <p:grpSpPr>
+        <a:xfrm>
+          <a:off x="0" y="0"/>
+          <a:ext cx="0" cy="0"/>
+          <a:chOff x="0" y="0"/>
+          <a:chExt cx="0" cy="0"/>
+        </a:xfrm>
+      </p:grpSpPr>
+      <p:sp>
+        <p:nvSpPr>
+          <p:cNvPr id="2" name="标题 1">
+            <a:extLst>
+              <a:ext uri="{FF2B5EF4-FFF2-40B4-BE49-F238E27FC236}">
+                <a16:creationId xmlns:a16="http://schemas.microsoft.com/office/drawing/2014/main" id="{608F3DB4-F23C-1A6F-14D4-C4B5EA8024C5}"/>
+              </a:ext>
+            </a:extLst>
+          </p:cNvPr>
+          <p:cNvSpPr>
+            <a:spLocks noGrp="1"/>
+          </p:cNvSpPr>
+          <p:nvPr>
+            <p:ph type="title"/>
+          </p:nvPr>
+        </p:nvSpPr>
+        <p:spPr/>
+        <p:txBody>
+          <a:bodyPr/>
+          <a:lstStyle/>
+          <a:p>
+            <a:r>
+              <a:rPr lang="zh-CN" altLang="en-US" dirty="0"/>
+              <a:t>进展</a:t>
+            </a:r>
+          </a:p>
+        </p:txBody>
+      </p:sp>
+      <p:sp>
+        <p:nvSpPr>
+          <p:cNvPr id="3" name="内容占位符 2">
+            <a:extLst>
+              <a:ext uri="{FF2B5EF4-FFF2-40B4-BE49-F238E27FC236}">
+                <a16:creationId xmlns:a16="http://schemas.microsoft.com/office/drawing/2014/main" id="{0C60BE9B-B13C-B482-4248-D9AAD4B3A299}"/>
+              </a:ext>
+            </a:extLst>
+          </p:cNvPr>
+          <p:cNvSpPr>
+            <a:spLocks noGrp="1"/>
+          </p:cNvSpPr>
+          <p:nvPr>
+            <p:ph idx="1"/>
+          </p:nvPr>
+        </p:nvSpPr>
+        <p:spPr>
+          <a:xfrm>
+            <a:off x="838200" y="1241404"/>
+            <a:ext cx="6114393" cy="4935559"/>
+          </a:xfrm>
+        </p:spPr>
+        <p:txBody>
+          <a:bodyPr/>
+          <a:lstStyle/>
+          <a:p>
+            <a:r>
+              <a:rPr lang="zh-CN" altLang="en-US" dirty="0"/>
+              <a:t>借助 </a:t>
+            </a:r>
+            <a:r>
+              <a:rPr lang="en-US" altLang="zh-CN" dirty="0"/>
+              <a:t>tla2sany </a:t>
+            </a:r>
+            <a:r>
+              <a:rPr lang="zh-CN" altLang="en-US" dirty="0"/>
+              <a:t>完成了 </a:t>
+            </a:r>
+            <a:r>
+              <a:rPr lang="en-US" altLang="zh-CN" dirty="0"/>
+              <a:t>TLA semantic analyzer </a:t>
+            </a:r>
+          </a:p>
+          <a:p>
+            <a:r>
+              <a:rPr lang="zh-CN" altLang="en-US" dirty="0"/>
+              <a:t>基于 </a:t>
+            </a:r>
+            <a:r>
+              <a:rPr lang="en-US" altLang="zh-CN" dirty="0"/>
+              <a:t>endive/benchmarks </a:t>
+            </a:r>
+            <a:r>
+              <a:rPr lang="zh-CN" altLang="en-US" dirty="0"/>
+              <a:t>做了测试；</a:t>
+            </a:r>
+            <a:endParaRPr lang="en-US" altLang="zh-CN" dirty="0"/>
+          </a:p>
+          <a:p>
+            <a:r>
+              <a:rPr lang="zh-CN" altLang="en-US" dirty="0"/>
+              <a:t>实现对每种节点都分别规定行为，具有可拓展性；</a:t>
+            </a:r>
+            <a:endParaRPr lang="en-US" altLang="zh-CN" dirty="0"/>
+          </a:p>
+          <a:p>
+            <a:r>
+              <a:rPr lang="zh-CN" altLang="en-US" dirty="0"/>
+              <a:t>开题报告</a:t>
+            </a:r>
+            <a:r>
+              <a:rPr lang="en-US" altLang="zh-CN" dirty="0"/>
+              <a:t> </a:t>
+            </a:r>
+            <a:endParaRPr lang="zh-CN" altLang="en-US" dirty="0"/>
+          </a:p>
+        </p:txBody>
+      </p:sp>
+      <p:pic>
+        <p:nvPicPr>
+          <p:cNvPr id="5" name="图片 4">
+            <a:extLst>
+              <a:ext uri="{FF2B5EF4-FFF2-40B4-BE49-F238E27FC236}">
+                <a16:creationId xmlns:a16="http://schemas.microsoft.com/office/drawing/2014/main" id="{A6033659-CFF7-9596-812D-B23A7926847A}"/>
+              </a:ext>
+            </a:extLst>
+          </p:cNvPr>
+          <p:cNvPicPr>
+            <a:picLocks noChangeAspect="1"/>
+          </p:cNvPicPr>
+          <p:nvPr/>
+        </p:nvPicPr>
+        <p:blipFill>
+          <a:blip r:embed="rId3"/>
+          <a:stretch>
+            <a:fillRect/>
+          </a:stretch>
+        </p:blipFill>
+        <p:spPr>
+          <a:xfrm>
+            <a:off x="7105596" y="884052"/>
+            <a:ext cx="4045881" cy="5345243"/>
+          </a:xfrm>
+          <a:prstGeom prst="rect">
+            <a:avLst/>
+          </a:prstGeom>
+        </p:spPr>
+      </p:pic>
+    </p:spTree>
+    <p:extLst>
+      <p:ext uri="{BB962C8B-B14F-4D97-AF65-F5344CB8AC3E}">
+        <p14:creationId xmlns:p14="http://schemas.microsoft.com/office/powerpoint/2010/main" val="4122642263"/>
+      </p:ext>
+    </p:extLst>
+  </p:cSld>
+  <p:clrMapOvr>
+    <a:masterClrMapping/>
+  </p:clrMapOvr>
+</p:sld>
+</file>
+
+<file path=ppt/slides/slide11.xml><?xml version="1.0" encoding="utf-8"?>
+<p:sld xmlns:a="http://schemas.openxmlformats.org/drawingml/2006/main" xmlns:r="http://schemas.openxmlformats.org/officeDocument/2006/relationships" xmlns:p="http://schemas.openxmlformats.org/presentationml/2006/main">
+  <p:cSld>
+    <p:spTree>
+      <p:nvGrpSpPr>
+        <p:cNvPr id="1" name=""/>
+        <p:cNvGrpSpPr/>
+        <p:nvPr/>
+      </p:nvGrpSpPr>
+      <p:grpSpPr>
+        <a:xfrm>
+          <a:off x="0" y="0"/>
+          <a:ext cx="0" cy="0"/>
+          <a:chOff x="0" y="0"/>
+          <a:chExt cx="0" cy="0"/>
+        </a:xfrm>
+      </p:grpSpPr>
+      <p:sp>
+        <p:nvSpPr>
+          <p:cNvPr id="2" name="标题 1">
+            <a:extLst>
+              <a:ext uri="{FF2B5EF4-FFF2-40B4-BE49-F238E27FC236}">
+                <a16:creationId xmlns:a16="http://schemas.microsoft.com/office/drawing/2014/main" id="{608F3DB4-F23C-1A6F-14D4-C4B5EA8024C5}"/>
+              </a:ext>
+            </a:extLst>
+          </p:cNvPr>
+          <p:cNvSpPr>
+            <a:spLocks noGrp="1"/>
+          </p:cNvSpPr>
+          <p:nvPr>
+            <p:ph type="title"/>
+          </p:nvPr>
+        </p:nvSpPr>
+        <p:spPr/>
+        <p:txBody>
+          <a:bodyPr/>
+          <a:lstStyle/>
+          <a:p>
+            <a:r>
+              <a:rPr lang="zh-CN" altLang="en-US" dirty="0"/>
+              <a:t>问题</a:t>
+            </a:r>
+          </a:p>
+        </p:txBody>
+      </p:sp>
+      <p:sp>
+        <p:nvSpPr>
+          <p:cNvPr id="3" name="内容占位符 2">
+            <a:extLst>
+              <a:ext uri="{FF2B5EF4-FFF2-40B4-BE49-F238E27FC236}">
+                <a16:creationId xmlns:a16="http://schemas.microsoft.com/office/drawing/2014/main" id="{0C60BE9B-B13C-B482-4248-D9AAD4B3A299}"/>
+              </a:ext>
+            </a:extLst>
+          </p:cNvPr>
+          <p:cNvSpPr>
+            <a:spLocks noGrp="1"/>
+          </p:cNvSpPr>
+          <p:nvPr>
+            <p:ph idx="1"/>
+          </p:nvPr>
+        </p:nvSpPr>
+        <p:spPr/>
+        <p:txBody>
+          <a:bodyPr/>
+          <a:lstStyle/>
+          <a:p>
+            <a:r>
+              <a:rPr lang="en-US" altLang="zh-CN" dirty="0"/>
+              <a:t>RL </a:t>
+            </a:r>
+            <a:r>
+              <a:rPr lang="zh-CN" altLang="en-US" dirty="0"/>
+              <a:t>对于生成候选不变式的知识迁移性</a:t>
+            </a:r>
+            <a:endParaRPr lang="en-US" altLang="zh-CN" dirty="0"/>
+          </a:p>
+          <a:p>
+            <a:pPr lvl="1"/>
+            <a:r>
+              <a:rPr lang="zh-CN" altLang="en-US" dirty="0"/>
+              <a:t>对于一份协议生成不变式的经验能否用于另外一个协议</a:t>
+            </a:r>
+            <a:endParaRPr lang="en-US" altLang="zh-CN" dirty="0"/>
+          </a:p>
+          <a:p>
+            <a:pPr lvl="1"/>
+            <a:r>
+              <a:rPr lang="zh-CN" altLang="en-US" dirty="0"/>
+              <a:t>通过其他方式将分解和组合的候选不变式进行排序？</a:t>
+            </a:r>
+            <a:r>
+              <a:rPr lang="en-US" altLang="zh-CN" dirty="0"/>
+              <a:t>(</a:t>
+            </a:r>
+            <a:r>
+              <a:rPr lang="en-US" altLang="zh-CN" dirty="0" err="1"/>
+              <a:t>distai</a:t>
+            </a:r>
+            <a:r>
+              <a:rPr lang="en-US" altLang="zh-CN" dirty="0"/>
+              <a:t>)</a:t>
+            </a:r>
+          </a:p>
+          <a:p>
+            <a:pPr lvl="1"/>
+            <a:r>
+              <a:rPr lang="zh-CN" altLang="en-US" dirty="0"/>
+              <a:t>或者其他方式</a:t>
+            </a:r>
+          </a:p>
+        </p:txBody>
+      </p:sp>
+    </p:spTree>
+    <p:extLst>
+      <p:ext uri="{BB962C8B-B14F-4D97-AF65-F5344CB8AC3E}">
+        <p14:creationId xmlns:p14="http://schemas.microsoft.com/office/powerpoint/2010/main" val="1960113598"/>
+      </p:ext>
+    </p:extLst>
+  </p:cSld>
+  <p:clrMapOvr>
+    <a:masterClrMapping/>
+  </p:clrMapOvr>
+</p:sld>
+</file>
+
+<file path=ppt/slides/slide12.xml><?xml version="1.0" encoding="utf-8"?>
+<p:sld xmlns:a="http://schemas.openxmlformats.org/drawingml/2006/main" xmlns:r="http://schemas.openxmlformats.org/officeDocument/2006/relationships" xmlns:p="http://schemas.openxmlformats.org/presentationml/2006/main">
+  <p:cSld>
+    <p:spTree>
+      <p:nvGrpSpPr>
+        <p:cNvPr id="1" name=""/>
+        <p:cNvGrpSpPr/>
+        <p:nvPr/>
+      </p:nvGrpSpPr>
+      <p:grpSpPr>
+        <a:xfrm>
+          <a:off x="0" y="0"/>
+          <a:ext cx="0" cy="0"/>
+          <a:chOff x="0" y="0"/>
+          <a:chExt cx="0" cy="0"/>
+        </a:xfrm>
+      </p:grpSpPr>
+      <p:sp>
+        <p:nvSpPr>
+          <p:cNvPr id="2" name="标题 1">
+            <a:extLst>
+              <a:ext uri="{FF2B5EF4-FFF2-40B4-BE49-F238E27FC236}">
+                <a16:creationId xmlns:a16="http://schemas.microsoft.com/office/drawing/2014/main" id="{608F3DB4-F23C-1A6F-14D4-C4B5EA8024C5}"/>
+              </a:ext>
+            </a:extLst>
+          </p:cNvPr>
+          <p:cNvSpPr>
+            <a:spLocks noGrp="1"/>
+          </p:cNvSpPr>
+          <p:nvPr>
+            <p:ph type="title"/>
+          </p:nvPr>
+        </p:nvSpPr>
+        <p:spPr/>
+        <p:txBody>
+          <a:bodyPr/>
+          <a:lstStyle/>
+          <a:p>
+            <a:r>
+              <a:rPr lang="zh-CN" altLang="en-US" dirty="0"/>
+              <a:t>计划</a:t>
+            </a:r>
+          </a:p>
+        </p:txBody>
+      </p:sp>
+      <p:sp>
+        <p:nvSpPr>
+          <p:cNvPr id="3" name="内容占位符 2">
+            <a:extLst>
+              <a:ext uri="{FF2B5EF4-FFF2-40B4-BE49-F238E27FC236}">
+                <a16:creationId xmlns:a16="http://schemas.microsoft.com/office/drawing/2014/main" id="{0C60BE9B-B13C-B482-4248-D9AAD4B3A299}"/>
+              </a:ext>
+            </a:extLst>
+          </p:cNvPr>
+          <p:cNvSpPr>
+            <a:spLocks noGrp="1"/>
+          </p:cNvSpPr>
+          <p:nvPr>
+            <p:ph idx="1"/>
+          </p:nvPr>
+        </p:nvSpPr>
+        <p:spPr/>
+        <p:txBody>
+          <a:bodyPr/>
+          <a:lstStyle/>
+          <a:p>
+            <a:r>
+              <a:rPr lang="en-US" altLang="zh-CN" dirty="0"/>
+              <a:t>RL </a:t>
+            </a:r>
+            <a:r>
+              <a:rPr lang="zh-CN" altLang="en-US" dirty="0"/>
+              <a:t>模块和反馈模块</a:t>
+            </a:r>
+            <a:endParaRPr lang="en-US" altLang="zh-CN" dirty="0"/>
+          </a:p>
+          <a:p>
+            <a:pPr lvl="1"/>
+            <a:r>
+              <a:rPr lang="zh-CN" altLang="en-US" dirty="0"/>
+              <a:t>基础知识学习</a:t>
+            </a:r>
+            <a:endParaRPr lang="en-US" altLang="zh-CN" dirty="0"/>
+          </a:p>
+          <a:p>
+            <a:pPr lvl="1"/>
+            <a:r>
+              <a:rPr lang="zh-CN" altLang="en-US" dirty="0"/>
+              <a:t>模块设计开发</a:t>
+            </a:r>
+            <a:endParaRPr lang="en-US" altLang="zh-CN" dirty="0"/>
+          </a:p>
+          <a:p>
+            <a:endParaRPr lang="en-US" altLang="zh-CN" dirty="0"/>
+          </a:p>
+          <a:p>
+            <a:r>
+              <a:rPr lang="zh-CN" altLang="en-US" dirty="0"/>
+              <a:t>可能更多的测试用例 </a:t>
+            </a:r>
+            <a:r>
+              <a:rPr lang="en-US" altLang="zh-CN" dirty="0"/>
+              <a:t>/ </a:t>
+            </a:r>
+            <a:r>
+              <a:rPr lang="zh-CN" altLang="en-US" dirty="0"/>
+              <a:t>测试集</a:t>
+            </a:r>
+            <a:endParaRPr lang="en-US" altLang="zh-CN" dirty="0"/>
+          </a:p>
+          <a:p>
+            <a:pPr lvl="1"/>
+            <a:r>
+              <a:rPr lang="zh-CN" altLang="en-US" dirty="0"/>
+              <a:t>对收集的新的测试用例修改 </a:t>
+            </a:r>
+            <a:r>
+              <a:rPr lang="en-US" altLang="zh-CN"/>
+              <a:t>semantic </a:t>
+            </a:r>
+            <a:r>
+              <a:rPr lang="en-US" altLang="zh-CN" dirty="0"/>
+              <a:t>analyzer </a:t>
+            </a:r>
+          </a:p>
+          <a:p>
+            <a:endParaRPr lang="en-US" altLang="zh-CN" dirty="0"/>
+          </a:p>
+          <a:p>
+            <a:pPr lvl="1"/>
+            <a:endParaRPr lang="en-US" altLang="zh-CN" dirty="0"/>
+          </a:p>
+          <a:p>
+            <a:endParaRPr lang="zh-CN" altLang="en-US" dirty="0"/>
+          </a:p>
+        </p:txBody>
+      </p:sp>
+    </p:spTree>
+    <p:extLst>
+      <p:ext uri="{BB962C8B-B14F-4D97-AF65-F5344CB8AC3E}">
+        <p14:creationId xmlns:p14="http://schemas.microsoft.com/office/powerpoint/2010/main" val="49641479"/>
+      </p:ext>
+    </p:extLst>
+  </p:cSld>
+  <p:clrMapOvr>
+    <a:masterClrMapping/>
+  </p:clrMapOvr>
+</p:sld>
+</file>
+
 <file path=ppt/slides/slide2.xml><?xml version="1.0" encoding="utf-8"?>
 <p:sld xmlns:a="http://schemas.openxmlformats.org/drawingml/2006/main" xmlns:r="http://schemas.openxmlformats.org/officeDocument/2006/relationships" xmlns:p="http://schemas.openxmlformats.org/presentationml/2006/main">
   <p:cSld>
@@ -5020,6 +5549,90 @@
     <p:extLst>
       <p:ext uri="{BB962C8B-B14F-4D97-AF65-F5344CB8AC3E}">
         <p14:creationId xmlns:p14="http://schemas.microsoft.com/office/powerpoint/2010/main" val="303327420"/>
+      </p:ext>
+    </p:extLst>
+  </p:cSld>
+  <p:clrMapOvr>
+    <a:masterClrMapping/>
+  </p:clrMapOvr>
+</p:sld>
+</file>
+
+<file path=ppt/slides/slide9.xml><?xml version="1.0" encoding="utf-8"?>
+<p:sld xmlns:a="http://schemas.openxmlformats.org/drawingml/2006/main" xmlns:r="http://schemas.openxmlformats.org/officeDocument/2006/relationships" xmlns:p="http://schemas.openxmlformats.org/presentationml/2006/main">
+  <p:cSld>
+    <p:spTree>
+      <p:nvGrpSpPr>
+        <p:cNvPr id="1" name=""/>
+        <p:cNvGrpSpPr/>
+        <p:nvPr/>
+      </p:nvGrpSpPr>
+      <p:grpSpPr>
+        <a:xfrm>
+          <a:off x="0" y="0"/>
+          <a:ext cx="0" cy="0"/>
+          <a:chOff x="0" y="0"/>
+          <a:chExt cx="0" cy="0"/>
+        </a:xfrm>
+      </p:grpSpPr>
+      <p:sp>
+        <p:nvSpPr>
+          <p:cNvPr id="2" name="标题 1">
+            <a:extLst>
+              <a:ext uri="{FF2B5EF4-FFF2-40B4-BE49-F238E27FC236}">
+                <a16:creationId xmlns:a16="http://schemas.microsoft.com/office/drawing/2014/main" id="{D2FA7896-85B5-9AF5-3B3D-6CD68EC55CF6}"/>
+              </a:ext>
+            </a:extLst>
+          </p:cNvPr>
+          <p:cNvSpPr>
+            <a:spLocks noGrp="1"/>
+          </p:cNvSpPr>
+          <p:nvPr>
+            <p:ph type="title"/>
+          </p:nvPr>
+        </p:nvSpPr>
+        <p:spPr/>
+        <p:txBody>
+          <a:bodyPr/>
+          <a:lstStyle/>
+          <a:p>
+            <a:r>
+              <a:rPr lang="en-US" altLang="zh-CN" dirty="0"/>
+              <a:t>0308-0322</a:t>
+            </a:r>
+            <a:endParaRPr lang="zh-CN" altLang="en-US" dirty="0"/>
+          </a:p>
+        </p:txBody>
+      </p:sp>
+      <p:sp>
+        <p:nvSpPr>
+          <p:cNvPr id="3" name="文本占位符 2">
+            <a:extLst>
+              <a:ext uri="{FF2B5EF4-FFF2-40B4-BE49-F238E27FC236}">
+                <a16:creationId xmlns:a16="http://schemas.microsoft.com/office/drawing/2014/main" id="{D43D5D3A-4EC4-6DBB-56A7-18465A5485E1}"/>
+              </a:ext>
+            </a:extLst>
+          </p:cNvPr>
+          <p:cNvSpPr>
+            <a:spLocks noGrp="1"/>
+          </p:cNvSpPr>
+          <p:nvPr>
+            <p:ph type="body" idx="1"/>
+          </p:nvPr>
+        </p:nvSpPr>
+        <p:spPr/>
+        <p:txBody>
+          <a:bodyPr/>
+          <a:lstStyle/>
+          <a:p>
+            <a:endParaRPr lang="zh-CN" altLang="en-US"/>
+          </a:p>
+        </p:txBody>
+      </p:sp>
+    </p:spTree>
+    <p:extLst>
+      <p:ext uri="{BB962C8B-B14F-4D97-AF65-F5344CB8AC3E}">
+        <p14:creationId xmlns:p14="http://schemas.microsoft.com/office/powerpoint/2010/main" val="3398745104"/>
       </p:ext>
     </p:extLst>
   </p:cSld>

--- a/ZhangJihua-weekly-report.pptx
+++ b/ZhangJihua-weekly-report.pptx
@@ -5,10 +5,10 @@
     <p:sldMasterId id="2147483648" r:id="rId1"/>
   </p:sldMasterIdLst>
   <p:notesMasterIdLst>
-    <p:notesMasterId r:id="rId14"/>
+    <p:notesMasterId r:id="rId18"/>
   </p:notesMasterIdLst>
   <p:handoutMasterIdLst>
-    <p:handoutMasterId r:id="rId15"/>
+    <p:handoutMasterId r:id="rId19"/>
   </p:handoutMasterIdLst>
   <p:sldIdLst>
     <p:sldId id="260" r:id="rId2"/>
@@ -23,6 +23,10 @@
     <p:sldId id="266" r:id="rId11"/>
     <p:sldId id="268" r:id="rId12"/>
     <p:sldId id="267" r:id="rId13"/>
+    <p:sldId id="269" r:id="rId14"/>
+    <p:sldId id="270" r:id="rId15"/>
+    <p:sldId id="272" r:id="rId16"/>
+    <p:sldId id="271" r:id="rId17"/>
   </p:sldIdLst>
   <p:sldSz cx="12192000" cy="6858000"/>
   <p:notesSz cx="6858000" cy="9144000"/>
@@ -226,7 +230,7 @@
           <a:p>
             <a:fld id="{14F3DC20-60EE-4AC4-A336-F3C5F824C6A0}" type="datetimeFigureOut">
               <a:rPr lang="zh-CN" altLang="en-US" smtClean="0"/>
-              <a:t>2024/3/22</a:t>
+              <a:t>2024/4/7</a:t>
             </a:fld>
             <a:endParaRPr lang="zh-CN" altLang="en-US"/>
           </a:p>
@@ -419,7 +423,7 @@
           <a:p>
             <a:fld id="{366AB279-2788-414B-AE10-F50EF6F25E65}" type="datetimeFigureOut">
               <a:rPr lang="zh-CN" altLang="en-US" smtClean="0"/>
-              <a:t>2024/3/22</a:t>
+              <a:t>2024/4/7</a:t>
             </a:fld>
             <a:endParaRPr lang="zh-CN" altLang="en-US"/>
           </a:p>
@@ -786,6 +790,90 @@
 </p:notes>
 </file>
 
+<file path=ppt/notesSlides/notesSlide2.xml><?xml version="1.0" encoding="utf-8"?>
+<p:notes xmlns:a="http://schemas.openxmlformats.org/drawingml/2006/main" xmlns:r="http://schemas.openxmlformats.org/officeDocument/2006/relationships" xmlns:p="http://schemas.openxmlformats.org/presentationml/2006/main">
+  <p:cSld>
+    <p:spTree>
+      <p:nvGrpSpPr>
+        <p:cNvPr id="1" name=""/>
+        <p:cNvGrpSpPr/>
+        <p:nvPr/>
+      </p:nvGrpSpPr>
+      <p:grpSpPr>
+        <a:xfrm>
+          <a:off x="0" y="0"/>
+          <a:ext cx="0" cy="0"/>
+          <a:chOff x="0" y="0"/>
+          <a:chExt cx="0" cy="0"/>
+        </a:xfrm>
+      </p:grpSpPr>
+      <p:sp>
+        <p:nvSpPr>
+          <p:cNvPr id="2" name="幻灯片图像占位符 1"/>
+          <p:cNvSpPr>
+            <a:spLocks noGrp="1" noRot="1" noChangeAspect="1"/>
+          </p:cNvSpPr>
+          <p:nvPr>
+            <p:ph type="sldImg"/>
+          </p:nvPr>
+        </p:nvSpPr>
+        <p:spPr/>
+      </p:sp>
+      <p:sp>
+        <p:nvSpPr>
+          <p:cNvPr id="3" name="备注占位符 2"/>
+          <p:cNvSpPr>
+            <a:spLocks noGrp="1"/>
+          </p:cNvSpPr>
+          <p:nvPr>
+            <p:ph type="body" idx="1"/>
+          </p:nvPr>
+        </p:nvSpPr>
+        <p:spPr/>
+        <p:txBody>
+          <a:bodyPr/>
+          <a:lstStyle/>
+          <a:p>
+            <a:endParaRPr lang="zh-CN" altLang="en-US" dirty="0"/>
+          </a:p>
+        </p:txBody>
+      </p:sp>
+      <p:sp>
+        <p:nvSpPr>
+          <p:cNvPr id="4" name="灯片编号占位符 3"/>
+          <p:cNvSpPr>
+            <a:spLocks noGrp="1"/>
+          </p:cNvSpPr>
+          <p:nvPr>
+            <p:ph type="sldNum" sz="quarter" idx="5"/>
+          </p:nvPr>
+        </p:nvSpPr>
+        <p:spPr/>
+        <p:txBody>
+          <a:bodyPr/>
+          <a:lstStyle/>
+          <a:p>
+            <a:fld id="{8E2D2D26-9484-4C06-9396-01068B3C1701}" type="slidenum">
+              <a:rPr lang="zh-CN" altLang="en-US" smtClean="0"/>
+              <a:t>15</a:t>
+            </a:fld>
+            <a:endParaRPr lang="zh-CN" altLang="en-US"/>
+          </a:p>
+        </p:txBody>
+      </p:sp>
+    </p:spTree>
+    <p:extLst>
+      <p:ext uri="{BB962C8B-B14F-4D97-AF65-F5344CB8AC3E}">
+        <p14:creationId xmlns:p14="http://schemas.microsoft.com/office/powerpoint/2010/main" val="1508435442"/>
+      </p:ext>
+    </p:extLst>
+  </p:cSld>
+  <p:clrMapOvr>
+    <a:masterClrMapping/>
+  </p:clrMapOvr>
+</p:notes>
+</file>
+
 <file path=ppt/slideLayouts/slideLayout1.xml><?xml version="1.0" encoding="utf-8"?>
 <p:sldLayout xmlns:a="http://schemas.openxmlformats.org/drawingml/2006/main" xmlns:r="http://schemas.openxmlformats.org/officeDocument/2006/relationships" xmlns:p="http://schemas.openxmlformats.org/presentationml/2006/main" type="title" preserve="1">
   <p:cSld name="标题幻灯片">
@@ -933,7 +1021,7 @@
           <a:p>
             <a:fld id="{15E169F2-D236-49A1-8FEA-62A763B8807F}" type="datetimeFigureOut">
               <a:rPr lang="zh-CN" altLang="en-US" smtClean="0"/>
-              <a:t>2024/3/22</a:t>
+              <a:t>2024/4/7</a:t>
             </a:fld>
             <a:endParaRPr lang="zh-CN" altLang="en-US"/>
           </a:p>
@@ -1131,7 +1219,7 @@
           <a:p>
             <a:fld id="{15E169F2-D236-49A1-8FEA-62A763B8807F}" type="datetimeFigureOut">
               <a:rPr lang="zh-CN" altLang="en-US" smtClean="0"/>
-              <a:t>2024/3/22</a:t>
+              <a:t>2024/4/7</a:t>
             </a:fld>
             <a:endParaRPr lang="zh-CN" altLang="en-US"/>
           </a:p>
@@ -1339,7 +1427,7 @@
           <a:p>
             <a:fld id="{15E169F2-D236-49A1-8FEA-62A763B8807F}" type="datetimeFigureOut">
               <a:rPr lang="zh-CN" altLang="en-US" smtClean="0"/>
-              <a:t>2024/3/22</a:t>
+              <a:t>2024/4/7</a:t>
             </a:fld>
             <a:endParaRPr lang="zh-CN" altLang="en-US"/>
           </a:p>
@@ -1537,7 +1625,7 @@
           <a:p>
             <a:fld id="{15E169F2-D236-49A1-8FEA-62A763B8807F}" type="datetimeFigureOut">
               <a:rPr lang="zh-CN" altLang="en-US" smtClean="0"/>
-              <a:t>2024/3/22</a:t>
+              <a:t>2024/4/7</a:t>
             </a:fld>
             <a:endParaRPr lang="zh-CN" altLang="en-US"/>
           </a:p>
@@ -1812,7 +1900,7 @@
           <a:p>
             <a:fld id="{15E169F2-D236-49A1-8FEA-62A763B8807F}" type="datetimeFigureOut">
               <a:rPr lang="zh-CN" altLang="en-US" smtClean="0"/>
-              <a:t>2024/3/22</a:t>
+              <a:t>2024/4/7</a:t>
             </a:fld>
             <a:endParaRPr lang="zh-CN" altLang="en-US"/>
           </a:p>
@@ -2077,7 +2165,7 @@
           <a:p>
             <a:fld id="{15E169F2-D236-49A1-8FEA-62A763B8807F}" type="datetimeFigureOut">
               <a:rPr lang="zh-CN" altLang="en-US" smtClean="0"/>
-              <a:t>2024/3/22</a:t>
+              <a:t>2024/4/7</a:t>
             </a:fld>
             <a:endParaRPr lang="zh-CN" altLang="en-US"/>
           </a:p>
@@ -2489,7 +2577,7 @@
           <a:p>
             <a:fld id="{15E169F2-D236-49A1-8FEA-62A763B8807F}" type="datetimeFigureOut">
               <a:rPr lang="zh-CN" altLang="en-US" smtClean="0"/>
-              <a:t>2024/3/22</a:t>
+              <a:t>2024/4/7</a:t>
             </a:fld>
             <a:endParaRPr lang="zh-CN" altLang="en-US"/>
           </a:p>
@@ -2630,7 +2718,7 @@
           <a:p>
             <a:fld id="{15E169F2-D236-49A1-8FEA-62A763B8807F}" type="datetimeFigureOut">
               <a:rPr lang="zh-CN" altLang="en-US" smtClean="0"/>
-              <a:t>2024/3/22</a:t>
+              <a:t>2024/4/7</a:t>
             </a:fld>
             <a:endParaRPr lang="zh-CN" altLang="en-US"/>
           </a:p>
@@ -2743,7 +2831,7 @@
           <a:p>
             <a:fld id="{15E169F2-D236-49A1-8FEA-62A763B8807F}" type="datetimeFigureOut">
               <a:rPr lang="zh-CN" altLang="en-US" smtClean="0"/>
-              <a:t>2024/3/22</a:t>
+              <a:t>2024/4/7</a:t>
             </a:fld>
             <a:endParaRPr lang="zh-CN" altLang="en-US"/>
           </a:p>
@@ -3054,7 +3142,7 @@
           <a:p>
             <a:fld id="{15E169F2-D236-49A1-8FEA-62A763B8807F}" type="datetimeFigureOut">
               <a:rPr lang="zh-CN" altLang="en-US" smtClean="0"/>
-              <a:t>2024/3/22</a:t>
+              <a:t>2024/4/7</a:t>
             </a:fld>
             <a:endParaRPr lang="zh-CN" altLang="en-US"/>
           </a:p>
@@ -3342,7 +3430,7 @@
           <a:p>
             <a:fld id="{15E169F2-D236-49A1-8FEA-62A763B8807F}" type="datetimeFigureOut">
               <a:rPr lang="zh-CN" altLang="en-US" smtClean="0"/>
-              <a:t>2024/3/22</a:t>
+              <a:t>2024/4/7</a:t>
             </a:fld>
             <a:endParaRPr lang="zh-CN" altLang="en-US"/>
           </a:p>
@@ -3583,7 +3671,7 @@
           <a:p>
             <a:fld id="{15E169F2-D236-49A1-8FEA-62A763B8807F}" type="datetimeFigureOut">
               <a:rPr lang="zh-CN" altLang="en-US" smtClean="0"/>
-              <a:t>2024/3/22</a:t>
+              <a:t>2024/4/7</a:t>
             </a:fld>
             <a:endParaRPr lang="zh-CN" altLang="en-US"/>
           </a:p>
@@ -4491,12 +4579,8 @@
               <a:t>对收集的新的测试用例修改 </a:t>
             </a:r>
             <a:r>
-              <a:rPr lang="en-US" altLang="zh-CN"/>
-              <a:t>semantic </a:t>
-            </a:r>
-            <a:r>
               <a:rPr lang="en-US" altLang="zh-CN" dirty="0"/>
-              <a:t>analyzer </a:t>
+              <a:t>semantic analyzer </a:t>
             </a:r>
           </a:p>
           <a:p>
@@ -4515,6 +4599,1028 @@
     <p:extLst>
       <p:ext uri="{BB962C8B-B14F-4D97-AF65-F5344CB8AC3E}">
         <p14:creationId xmlns:p14="http://schemas.microsoft.com/office/powerpoint/2010/main" val="49641479"/>
+      </p:ext>
+    </p:extLst>
+  </p:cSld>
+  <p:clrMapOvr>
+    <a:masterClrMapping/>
+  </p:clrMapOvr>
+</p:sld>
+</file>
+
+<file path=ppt/slides/slide13.xml><?xml version="1.0" encoding="utf-8"?>
+<p:sld xmlns:a="http://schemas.openxmlformats.org/drawingml/2006/main" xmlns:r="http://schemas.openxmlformats.org/officeDocument/2006/relationships" xmlns:p="http://schemas.openxmlformats.org/presentationml/2006/main">
+  <p:cSld>
+    <p:spTree>
+      <p:nvGrpSpPr>
+        <p:cNvPr id="1" name=""/>
+        <p:cNvGrpSpPr/>
+        <p:nvPr/>
+      </p:nvGrpSpPr>
+      <p:grpSpPr>
+        <a:xfrm>
+          <a:off x="0" y="0"/>
+          <a:ext cx="0" cy="0"/>
+          <a:chOff x="0" y="0"/>
+          <a:chExt cx="0" cy="0"/>
+        </a:xfrm>
+      </p:grpSpPr>
+      <p:sp>
+        <p:nvSpPr>
+          <p:cNvPr id="2" name="标题 1">
+            <a:extLst>
+              <a:ext uri="{FF2B5EF4-FFF2-40B4-BE49-F238E27FC236}">
+                <a16:creationId xmlns:a16="http://schemas.microsoft.com/office/drawing/2014/main" id="{D2FA7896-85B5-9AF5-3B3D-6CD68EC55CF6}"/>
+              </a:ext>
+            </a:extLst>
+          </p:cNvPr>
+          <p:cNvSpPr>
+            <a:spLocks noGrp="1"/>
+          </p:cNvSpPr>
+          <p:nvPr>
+            <p:ph type="title"/>
+          </p:nvPr>
+        </p:nvSpPr>
+        <p:spPr/>
+        <p:txBody>
+          <a:bodyPr/>
+          <a:lstStyle/>
+          <a:p>
+            <a:r>
+              <a:rPr lang="en-US" altLang="zh-CN" dirty="0"/>
+              <a:t>0323-0408</a:t>
+            </a:r>
+            <a:endParaRPr lang="zh-CN" altLang="en-US" dirty="0"/>
+          </a:p>
+        </p:txBody>
+      </p:sp>
+    </p:spTree>
+    <p:extLst>
+      <p:ext uri="{BB962C8B-B14F-4D97-AF65-F5344CB8AC3E}">
+        <p14:creationId xmlns:p14="http://schemas.microsoft.com/office/powerpoint/2010/main" val="1415773358"/>
+      </p:ext>
+    </p:extLst>
+  </p:cSld>
+  <p:clrMapOvr>
+    <a:masterClrMapping/>
+  </p:clrMapOvr>
+</p:sld>
+</file>
+
+<file path=ppt/slides/slide14.xml><?xml version="1.0" encoding="utf-8"?>
+<p:sld xmlns:a="http://schemas.openxmlformats.org/drawingml/2006/main" xmlns:r="http://schemas.openxmlformats.org/officeDocument/2006/relationships" xmlns:p="http://schemas.openxmlformats.org/presentationml/2006/main">
+  <p:cSld>
+    <p:spTree>
+      <p:nvGrpSpPr>
+        <p:cNvPr id="1" name=""/>
+        <p:cNvGrpSpPr/>
+        <p:nvPr/>
+      </p:nvGrpSpPr>
+      <p:grpSpPr>
+        <a:xfrm>
+          <a:off x="0" y="0"/>
+          <a:ext cx="0" cy="0"/>
+          <a:chOff x="0" y="0"/>
+          <a:chExt cx="0" cy="0"/>
+        </a:xfrm>
+      </p:grpSpPr>
+      <p:sp>
+        <p:nvSpPr>
+          <p:cNvPr id="2" name="标题 1">
+            <a:extLst>
+              <a:ext uri="{FF2B5EF4-FFF2-40B4-BE49-F238E27FC236}">
+                <a16:creationId xmlns:a16="http://schemas.microsoft.com/office/drawing/2014/main" id="{1B4E76D6-4324-86E4-DAEE-EA85A4C69701}"/>
+              </a:ext>
+            </a:extLst>
+          </p:cNvPr>
+          <p:cNvSpPr>
+            <a:spLocks noGrp="1"/>
+          </p:cNvSpPr>
+          <p:nvPr>
+            <p:ph type="title"/>
+          </p:nvPr>
+        </p:nvSpPr>
+        <p:spPr/>
+        <p:txBody>
+          <a:bodyPr/>
+          <a:lstStyle/>
+          <a:p>
+            <a:r>
+              <a:rPr lang="zh-CN" altLang="en-US" dirty="0"/>
+              <a:t>进展</a:t>
+            </a:r>
+          </a:p>
+        </p:txBody>
+      </p:sp>
+      <p:sp>
+        <p:nvSpPr>
+          <p:cNvPr id="3" name="内容占位符 2">
+            <a:extLst>
+              <a:ext uri="{FF2B5EF4-FFF2-40B4-BE49-F238E27FC236}">
+                <a16:creationId xmlns:a16="http://schemas.microsoft.com/office/drawing/2014/main" id="{446A344D-4CA5-2685-BCF6-0847F73ABAD7}"/>
+              </a:ext>
+            </a:extLst>
+          </p:cNvPr>
+          <p:cNvSpPr>
+            <a:spLocks noGrp="1"/>
+          </p:cNvSpPr>
+          <p:nvPr>
+            <p:ph idx="1"/>
+          </p:nvPr>
+        </p:nvSpPr>
+        <p:spPr/>
+        <p:txBody>
+          <a:bodyPr/>
+          <a:lstStyle/>
+          <a:p>
+            <a:r>
+              <a:rPr lang="zh-CN" altLang="en-US" dirty="0"/>
+              <a:t>体系结构</a:t>
+            </a:r>
+            <a:endParaRPr lang="en-US" altLang="zh-CN" dirty="0"/>
+          </a:p>
+          <a:p>
+            <a:pPr lvl="1"/>
+            <a:r>
+              <a:rPr lang="en-US" altLang="zh-CN" sz="2800" dirty="0"/>
+              <a:t>RL</a:t>
+            </a:r>
+          </a:p>
+          <a:p>
+            <a:pPr lvl="2"/>
+            <a:r>
+              <a:rPr lang="en-US" altLang="zh-CN" sz="2400" dirty="0">
+                <a:hlinkClick r:id="rId2"/>
+              </a:rPr>
+              <a:t>gymnasium</a:t>
+            </a:r>
+            <a:r>
+              <a:rPr lang="en-US" altLang="zh-CN" sz="2400" dirty="0"/>
+              <a:t> </a:t>
+            </a:r>
+            <a:r>
+              <a:rPr lang="zh-CN" altLang="en-US" sz="2400" dirty="0"/>
+              <a:t>用于创造环境</a:t>
+            </a:r>
+            <a:endParaRPr lang="en-US" altLang="zh-CN" sz="2400" dirty="0"/>
+          </a:p>
+          <a:p>
+            <a:pPr lvl="3"/>
+            <a:r>
+              <a:rPr lang="en-US" altLang="zh-CN" sz="2000" dirty="0"/>
+              <a:t>Gymnasium</a:t>
+            </a:r>
+            <a:r>
+              <a:rPr lang="zh-CN" altLang="en-US" sz="2000" dirty="0"/>
+              <a:t> 的优势在于可以对接多种 </a:t>
+            </a:r>
+            <a:r>
+              <a:rPr lang="en-US" altLang="zh-CN" sz="2000" dirty="0"/>
+              <a:t>RL</a:t>
+            </a:r>
+            <a:r>
+              <a:rPr lang="zh-CN" altLang="en-US" sz="2000" dirty="0"/>
+              <a:t> 的框架</a:t>
+            </a:r>
+            <a:endParaRPr lang="en-US" altLang="zh-CN" sz="2000" dirty="0"/>
+          </a:p>
+          <a:p>
+            <a:pPr lvl="3"/>
+            <a:r>
+              <a:rPr lang="zh-CN" altLang="en-US" sz="2000" dirty="0"/>
+              <a:t>根据定义定制环境，困难在 </a:t>
+            </a:r>
+            <a:r>
+              <a:rPr lang="en-US" altLang="zh-CN" sz="2000" dirty="0" err="1"/>
+              <a:t>action_space</a:t>
+            </a:r>
+            <a:r>
+              <a:rPr lang="en-US" altLang="zh-CN" sz="2000" dirty="0"/>
+              <a:t> </a:t>
+            </a:r>
+            <a:r>
+              <a:rPr lang="zh-CN" altLang="en-US" sz="2000" dirty="0"/>
+              <a:t>定义</a:t>
+            </a:r>
+            <a:endParaRPr lang="en-US" altLang="zh-CN" sz="2000" dirty="0"/>
+          </a:p>
+          <a:p>
+            <a:pPr lvl="2"/>
+            <a:r>
+              <a:rPr lang="en-US" altLang="zh-CN" sz="2400" dirty="0"/>
+              <a:t>RL </a:t>
+            </a:r>
+            <a:r>
+              <a:rPr lang="zh-CN" altLang="en-US" sz="2400" dirty="0"/>
+              <a:t>框架选择</a:t>
+            </a:r>
+            <a:endParaRPr lang="en-US" altLang="zh-CN" sz="2400" dirty="0"/>
+          </a:p>
+          <a:p>
+            <a:pPr lvl="3"/>
+            <a:r>
+              <a:rPr lang="en-US" altLang="zh-CN" sz="2000" dirty="0" err="1"/>
+              <a:t>tianshou</a:t>
+            </a:r>
+            <a:r>
+              <a:rPr lang="en-US" altLang="zh-CN" sz="2000" dirty="0"/>
+              <a:t> </a:t>
+            </a:r>
+          </a:p>
+          <a:p>
+            <a:pPr lvl="4"/>
+            <a:r>
+              <a:rPr lang="zh-CN" altLang="en-US" sz="2000" dirty="0"/>
+              <a:t>可以使用多种</a:t>
+            </a:r>
+            <a:r>
+              <a:rPr lang="en-US" altLang="zh-CN" sz="2000" dirty="0"/>
+              <a:t>RL</a:t>
+            </a:r>
+            <a:r>
+              <a:rPr lang="zh-CN" altLang="en-US" sz="2000" dirty="0"/>
+              <a:t>算法</a:t>
+            </a:r>
+            <a:endParaRPr lang="en-US" altLang="zh-CN" sz="2000" dirty="0"/>
+          </a:p>
+          <a:p>
+            <a:pPr lvl="1"/>
+            <a:r>
+              <a:rPr lang="en-US" altLang="zh-CN" dirty="0"/>
+              <a:t>Semantic analyzer</a:t>
+            </a:r>
+          </a:p>
+          <a:p>
+            <a:pPr marL="914400" lvl="2" indent="0">
+              <a:buNone/>
+            </a:pPr>
+            <a:r>
+              <a:rPr lang="en-US" altLang="zh-CN" dirty="0"/>
+              <a:t>… </a:t>
+            </a:r>
+            <a:endParaRPr lang="zh-CN" altLang="en-US" dirty="0"/>
+          </a:p>
+        </p:txBody>
+      </p:sp>
+      <p:pic>
+        <p:nvPicPr>
+          <p:cNvPr id="5" name="图片 4">
+            <a:extLst>
+              <a:ext uri="{FF2B5EF4-FFF2-40B4-BE49-F238E27FC236}">
+                <a16:creationId xmlns:a16="http://schemas.microsoft.com/office/drawing/2014/main" id="{D0CD4DB2-41E2-3716-AC79-6EC17C587CE3}"/>
+              </a:ext>
+            </a:extLst>
+          </p:cNvPr>
+          <p:cNvPicPr>
+            <a:picLocks noChangeAspect="1"/>
+          </p:cNvPicPr>
+          <p:nvPr/>
+        </p:nvPicPr>
+        <p:blipFill>
+          <a:blip r:embed="rId3"/>
+          <a:stretch>
+            <a:fillRect/>
+          </a:stretch>
+        </p:blipFill>
+        <p:spPr>
+          <a:xfrm>
+            <a:off x="8050924" y="3002270"/>
+            <a:ext cx="2543504" cy="3375434"/>
+          </a:xfrm>
+          <a:prstGeom prst="rect">
+            <a:avLst/>
+          </a:prstGeom>
+        </p:spPr>
+      </p:pic>
+      <p:pic>
+        <p:nvPicPr>
+          <p:cNvPr id="7" name="图片 6">
+            <a:extLst>
+              <a:ext uri="{FF2B5EF4-FFF2-40B4-BE49-F238E27FC236}">
+                <a16:creationId xmlns:a16="http://schemas.microsoft.com/office/drawing/2014/main" id="{945C68B0-95B9-6B2D-D0A7-060E905414DA}"/>
+              </a:ext>
+            </a:extLst>
+          </p:cNvPr>
+          <p:cNvPicPr>
+            <a:picLocks noChangeAspect="1"/>
+          </p:cNvPicPr>
+          <p:nvPr/>
+        </p:nvPicPr>
+        <p:blipFill>
+          <a:blip r:embed="rId4"/>
+          <a:stretch>
+            <a:fillRect/>
+          </a:stretch>
+        </p:blipFill>
+        <p:spPr>
+          <a:xfrm>
+            <a:off x="8106105" y="241753"/>
+            <a:ext cx="1592259" cy="2559776"/>
+          </a:xfrm>
+          <a:prstGeom prst="rect">
+            <a:avLst/>
+          </a:prstGeom>
+        </p:spPr>
+      </p:pic>
+      <p:pic>
+        <p:nvPicPr>
+          <p:cNvPr id="9" name="图片 8">
+            <a:extLst>
+              <a:ext uri="{FF2B5EF4-FFF2-40B4-BE49-F238E27FC236}">
+                <a16:creationId xmlns:a16="http://schemas.microsoft.com/office/drawing/2014/main" id="{06BF32E6-D4EC-DDC6-E26A-DC530A95F744}"/>
+              </a:ext>
+            </a:extLst>
+          </p:cNvPr>
+          <p:cNvPicPr>
+            <a:picLocks noChangeAspect="1"/>
+          </p:cNvPicPr>
+          <p:nvPr/>
+        </p:nvPicPr>
+        <p:blipFill>
+          <a:blip r:embed="rId5">
+            <a:extLst>
+              <a:ext uri="{28A0092B-C50C-407E-A947-70E740481C1C}">
+                <a14:useLocalDpi xmlns:a14="http://schemas.microsoft.com/office/drawing/2010/main" val="0"/>
+              </a:ext>
+            </a:extLst>
+          </a:blip>
+          <a:stretch>
+            <a:fillRect/>
+          </a:stretch>
+        </p:blipFill>
+        <p:spPr>
+          <a:xfrm>
+            <a:off x="1177682" y="5169522"/>
+            <a:ext cx="5926789" cy="1107811"/>
+          </a:xfrm>
+          <a:prstGeom prst="rect">
+            <a:avLst/>
+          </a:prstGeom>
+        </p:spPr>
+      </p:pic>
+      <p:cxnSp>
+        <p:nvCxnSpPr>
+          <p:cNvPr id="11" name="直接箭头连接符 10">
+            <a:extLst>
+              <a:ext uri="{FF2B5EF4-FFF2-40B4-BE49-F238E27FC236}">
+                <a16:creationId xmlns:a16="http://schemas.microsoft.com/office/drawing/2014/main" id="{3C334441-AC52-A891-5DA6-E8252CBB76D9}"/>
+              </a:ext>
+            </a:extLst>
+          </p:cNvPr>
+          <p:cNvCxnSpPr/>
+          <p:nvPr/>
+        </p:nvCxnSpPr>
+        <p:spPr>
+          <a:xfrm>
+            <a:off x="5312979" y="4093778"/>
+            <a:ext cx="2737945" cy="0"/>
+          </a:xfrm>
+          <a:prstGeom prst="straightConnector1">
+            <a:avLst/>
+          </a:prstGeom>
+          <a:ln w="28575">
+            <a:tailEnd type="triangle"/>
+          </a:ln>
+        </p:spPr>
+        <p:style>
+          <a:lnRef idx="1">
+            <a:schemeClr val="accent1"/>
+          </a:lnRef>
+          <a:fillRef idx="0">
+            <a:schemeClr val="accent1"/>
+          </a:fillRef>
+          <a:effectRef idx="0">
+            <a:schemeClr val="accent1"/>
+          </a:effectRef>
+          <a:fontRef idx="minor">
+            <a:schemeClr val="tx1"/>
+          </a:fontRef>
+        </p:style>
+      </p:cxnSp>
+    </p:spTree>
+    <p:extLst>
+      <p:ext uri="{BB962C8B-B14F-4D97-AF65-F5344CB8AC3E}">
+        <p14:creationId xmlns:p14="http://schemas.microsoft.com/office/powerpoint/2010/main" val="3745465413"/>
+      </p:ext>
+    </p:extLst>
+  </p:cSld>
+  <p:clrMapOvr>
+    <a:masterClrMapping/>
+  </p:clrMapOvr>
+</p:sld>
+</file>
+
+<file path=ppt/slides/slide15.xml><?xml version="1.0" encoding="utf-8"?>
+<p:sld xmlns:a="http://schemas.openxmlformats.org/drawingml/2006/main" xmlns:r="http://schemas.openxmlformats.org/officeDocument/2006/relationships" xmlns:p="http://schemas.openxmlformats.org/presentationml/2006/main">
+  <p:cSld>
+    <p:spTree>
+      <p:nvGrpSpPr>
+        <p:cNvPr id="1" name=""/>
+        <p:cNvGrpSpPr/>
+        <p:nvPr/>
+      </p:nvGrpSpPr>
+      <p:grpSpPr>
+        <a:xfrm>
+          <a:off x="0" y="0"/>
+          <a:ext cx="0" cy="0"/>
+          <a:chOff x="0" y="0"/>
+          <a:chExt cx="0" cy="0"/>
+        </a:xfrm>
+      </p:grpSpPr>
+      <p:grpSp>
+        <p:nvGrpSpPr>
+          <p:cNvPr id="13" name="组合 12">
+            <a:extLst>
+              <a:ext uri="{FF2B5EF4-FFF2-40B4-BE49-F238E27FC236}">
+                <a16:creationId xmlns:a16="http://schemas.microsoft.com/office/drawing/2014/main" id="{657D8381-BE94-E9B7-2D58-27175457132B}"/>
+              </a:ext>
+            </a:extLst>
+          </p:cNvPr>
+          <p:cNvGrpSpPr/>
+          <p:nvPr/>
+        </p:nvGrpSpPr>
+        <p:grpSpPr>
+          <a:xfrm>
+            <a:off x="3132304" y="361042"/>
+            <a:ext cx="5927392" cy="1107811"/>
+            <a:chOff x="2349584" y="271704"/>
+            <a:chExt cx="5927392" cy="1107811"/>
+          </a:xfrm>
+        </p:grpSpPr>
+        <p:pic>
+          <p:nvPicPr>
+            <p:cNvPr id="2" name="图片 1">
+              <a:extLst>
+                <a:ext uri="{FF2B5EF4-FFF2-40B4-BE49-F238E27FC236}">
+                  <a16:creationId xmlns:a16="http://schemas.microsoft.com/office/drawing/2014/main" id="{E7294E20-215C-EC6E-0373-A2565026C9A1}"/>
+                </a:ext>
+              </a:extLst>
+            </p:cNvPr>
+            <p:cNvPicPr>
+              <a:picLocks noChangeAspect="1"/>
+            </p:cNvPicPr>
+            <p:nvPr/>
+          </p:nvPicPr>
+          <p:blipFill>
+            <a:blip r:embed="rId3">
+              <a:extLst>
+                <a:ext uri="{28A0092B-C50C-407E-A947-70E740481C1C}">
+                  <a14:useLocalDpi xmlns:a14="http://schemas.microsoft.com/office/drawing/2010/main" val="0"/>
+                </a:ext>
+              </a:extLst>
+            </a:blip>
+            <a:stretch>
+              <a:fillRect/>
+            </a:stretch>
+          </p:blipFill>
+          <p:spPr>
+            <a:xfrm>
+              <a:off x="2349584" y="271704"/>
+              <a:ext cx="5926789" cy="1107811"/>
+            </a:xfrm>
+            <a:prstGeom prst="rect">
+              <a:avLst/>
+            </a:prstGeom>
+          </p:spPr>
+        </p:pic>
+        <p:sp>
+          <p:nvSpPr>
+            <p:cNvPr id="4" name="文本框 3">
+              <a:extLst>
+                <a:ext uri="{FF2B5EF4-FFF2-40B4-BE49-F238E27FC236}">
+                  <a16:creationId xmlns:a16="http://schemas.microsoft.com/office/drawing/2014/main" id="{5882404E-DB99-C2BA-335D-EC62706A5D5B}"/>
+                </a:ext>
+              </a:extLst>
+            </p:cNvPr>
+            <p:cNvSpPr txBox="1"/>
+            <p:nvPr/>
+          </p:nvSpPr>
+          <p:spPr>
+            <a:xfrm>
+              <a:off x="3032233" y="966954"/>
+              <a:ext cx="431528" cy="369332"/>
+            </a:xfrm>
+            <a:prstGeom prst="rect">
+              <a:avLst/>
+            </a:prstGeom>
+            <a:noFill/>
+          </p:spPr>
+          <p:txBody>
+            <a:bodyPr wrap="none" rtlCol="0">
+              <a:spAutoFit/>
+            </a:bodyPr>
+            <a:lstStyle/>
+            <a:p>
+              <a:r>
+                <a:rPr lang="en-US" altLang="zh-CN" dirty="0"/>
+                <a:t>str</a:t>
+              </a:r>
+              <a:endParaRPr lang="zh-CN" altLang="en-US" dirty="0"/>
+            </a:p>
+          </p:txBody>
+        </p:sp>
+        <p:sp>
+          <p:nvSpPr>
+            <p:cNvPr id="5" name="文本框 4">
+              <a:extLst>
+                <a:ext uri="{FF2B5EF4-FFF2-40B4-BE49-F238E27FC236}">
+                  <a16:creationId xmlns:a16="http://schemas.microsoft.com/office/drawing/2014/main" id="{6CFEA348-C5EC-1212-7843-2FBCADF2D7CF}"/>
+                </a:ext>
+              </a:extLst>
+            </p:cNvPr>
+            <p:cNvSpPr txBox="1"/>
+            <p:nvPr/>
+          </p:nvSpPr>
+          <p:spPr>
+            <a:xfrm>
+              <a:off x="7845448" y="940677"/>
+              <a:ext cx="431528" cy="369332"/>
+            </a:xfrm>
+            <a:prstGeom prst="rect">
+              <a:avLst/>
+            </a:prstGeom>
+            <a:noFill/>
+          </p:spPr>
+          <p:txBody>
+            <a:bodyPr wrap="none" rtlCol="0">
+              <a:spAutoFit/>
+            </a:bodyPr>
+            <a:lstStyle/>
+            <a:p>
+              <a:r>
+                <a:rPr lang="en-US" altLang="zh-CN" dirty="0"/>
+                <a:t>str</a:t>
+              </a:r>
+              <a:endParaRPr lang="zh-CN" altLang="en-US" dirty="0"/>
+            </a:p>
+          </p:txBody>
+        </p:sp>
+      </p:grpSp>
+      <p:sp>
+        <p:nvSpPr>
+          <p:cNvPr id="12" name="内容占位符 2">
+            <a:extLst>
+              <a:ext uri="{FF2B5EF4-FFF2-40B4-BE49-F238E27FC236}">
+                <a16:creationId xmlns:a16="http://schemas.microsoft.com/office/drawing/2014/main" id="{489B722B-0A15-368A-8056-8DE9133E86A2}"/>
+              </a:ext>
+            </a:extLst>
+          </p:cNvPr>
+          <p:cNvSpPr txBox="1">
+            <a:spLocks/>
+          </p:cNvSpPr>
+          <p:nvPr/>
+        </p:nvSpPr>
+        <p:spPr>
+          <a:xfrm>
+            <a:off x="838200" y="1808962"/>
+            <a:ext cx="10515600" cy="4935559"/>
+          </a:xfrm>
+          <a:prstGeom prst="rect">
+            <a:avLst/>
+          </a:prstGeom>
+        </p:spPr>
+        <p:txBody>
+          <a:bodyPr/>
+          <a:lstStyle>
+            <a:lvl1pPr marL="228600" indent="-228600" algn="l" defTabSz="914400" rtl="0" eaLnBrk="1" latinLnBrk="0" hangingPunct="1">
+              <a:lnSpc>
+                <a:spcPct val="90000"/>
+              </a:lnSpc>
+              <a:spcBef>
+                <a:spcPts val="1000"/>
+              </a:spcBef>
+              <a:buFont typeface="Arial" panose="020B0604020202020204" pitchFamily="34" charset="0"/>
+              <a:buChar char="•"/>
+              <a:defRPr sz="2800" kern="1200">
+                <a:solidFill>
+                  <a:schemeClr val="tx1"/>
+                </a:solidFill>
+                <a:latin typeface="Calibri" panose="020F0502020204030204" pitchFamily="34" charset="0"/>
+                <a:ea typeface="黑体" panose="02010609060101010101" pitchFamily="49" charset="-122"/>
+                <a:cs typeface="Calibri" panose="020F0502020204030204" pitchFamily="34" charset="0"/>
+              </a:defRPr>
+            </a:lvl1pPr>
+            <a:lvl2pPr marL="685800" indent="-228600" algn="l" defTabSz="914400" rtl="0" eaLnBrk="1" latinLnBrk="0" hangingPunct="1">
+              <a:lnSpc>
+                <a:spcPct val="90000"/>
+              </a:lnSpc>
+              <a:spcBef>
+                <a:spcPts val="500"/>
+              </a:spcBef>
+              <a:buFont typeface="Arial" panose="020B0604020202020204" pitchFamily="34" charset="0"/>
+              <a:buChar char="•"/>
+              <a:defRPr sz="2400" kern="1200">
+                <a:solidFill>
+                  <a:schemeClr val="tx1"/>
+                </a:solidFill>
+                <a:latin typeface="Calibri" panose="020F0502020204030204" pitchFamily="34" charset="0"/>
+                <a:ea typeface="黑体" panose="02010609060101010101" pitchFamily="49" charset="-122"/>
+                <a:cs typeface="Calibri" panose="020F0502020204030204" pitchFamily="34" charset="0"/>
+              </a:defRPr>
+            </a:lvl2pPr>
+            <a:lvl3pPr marL="1143000" indent="-228600" algn="l" defTabSz="914400" rtl="0" eaLnBrk="1" latinLnBrk="0" hangingPunct="1">
+              <a:lnSpc>
+                <a:spcPct val="90000"/>
+              </a:lnSpc>
+              <a:spcBef>
+                <a:spcPts val="500"/>
+              </a:spcBef>
+              <a:buFont typeface="Arial" panose="020B0604020202020204" pitchFamily="34" charset="0"/>
+              <a:buChar char="•"/>
+              <a:defRPr sz="2000" kern="1200">
+                <a:solidFill>
+                  <a:schemeClr val="tx1"/>
+                </a:solidFill>
+                <a:latin typeface="Calibri" panose="020F0502020204030204" pitchFamily="34" charset="0"/>
+                <a:ea typeface="黑体" panose="02010609060101010101" pitchFamily="49" charset="-122"/>
+                <a:cs typeface="Calibri" panose="020F0502020204030204" pitchFamily="34" charset="0"/>
+              </a:defRPr>
+            </a:lvl3pPr>
+            <a:lvl4pPr marL="1600200" indent="-228600" algn="l" defTabSz="914400" rtl="0" eaLnBrk="1" latinLnBrk="0" hangingPunct="1">
+              <a:lnSpc>
+                <a:spcPct val="90000"/>
+              </a:lnSpc>
+              <a:spcBef>
+                <a:spcPts val="500"/>
+              </a:spcBef>
+              <a:buFont typeface="Arial" panose="020B0604020202020204" pitchFamily="34" charset="0"/>
+              <a:buChar char="•"/>
+              <a:defRPr sz="1800" kern="1200">
+                <a:solidFill>
+                  <a:schemeClr val="tx1"/>
+                </a:solidFill>
+                <a:latin typeface="Calibri" panose="020F0502020204030204" pitchFamily="34" charset="0"/>
+                <a:ea typeface="黑体" panose="02010609060101010101" pitchFamily="49" charset="-122"/>
+                <a:cs typeface="Calibri" panose="020F0502020204030204" pitchFamily="34" charset="0"/>
+              </a:defRPr>
+            </a:lvl4pPr>
+            <a:lvl5pPr marL="2057400" indent="-228600" algn="l" defTabSz="914400" rtl="0" eaLnBrk="1" latinLnBrk="0" hangingPunct="1">
+              <a:lnSpc>
+                <a:spcPct val="90000"/>
+              </a:lnSpc>
+              <a:spcBef>
+                <a:spcPts val="500"/>
+              </a:spcBef>
+              <a:buFont typeface="Arial" panose="020B0604020202020204" pitchFamily="34" charset="0"/>
+              <a:buChar char="•"/>
+              <a:defRPr sz="1800" kern="1200">
+                <a:solidFill>
+                  <a:schemeClr val="tx1"/>
+                </a:solidFill>
+                <a:latin typeface="Calibri" panose="020F0502020204030204" pitchFamily="34" charset="0"/>
+                <a:ea typeface="黑体" panose="02010609060101010101" pitchFamily="49" charset="-122"/>
+                <a:cs typeface="Calibri" panose="020F0502020204030204" pitchFamily="34" charset="0"/>
+              </a:defRPr>
+            </a:lvl5pPr>
+            <a:lvl6pPr marL="2514600" indent="-228600" algn="l" defTabSz="914400" rtl="0" eaLnBrk="1" latinLnBrk="0" hangingPunct="1">
+              <a:lnSpc>
+                <a:spcPct val="90000"/>
+              </a:lnSpc>
+              <a:spcBef>
+                <a:spcPts val="500"/>
+              </a:spcBef>
+              <a:buFont typeface="Arial" panose="020B0604020202020204" pitchFamily="34" charset="0"/>
+              <a:buChar char="•"/>
+              <a:defRPr sz="1800" kern="1200">
+                <a:solidFill>
+                  <a:schemeClr val="tx1"/>
+                </a:solidFill>
+                <a:latin typeface="+mn-lt"/>
+                <a:ea typeface="+mn-ea"/>
+                <a:cs typeface="+mn-cs"/>
+              </a:defRPr>
+            </a:lvl6pPr>
+            <a:lvl7pPr marL="2971800" indent="-228600" algn="l" defTabSz="914400" rtl="0" eaLnBrk="1" latinLnBrk="0" hangingPunct="1">
+              <a:lnSpc>
+                <a:spcPct val="90000"/>
+              </a:lnSpc>
+              <a:spcBef>
+                <a:spcPts val="500"/>
+              </a:spcBef>
+              <a:buFont typeface="Arial" panose="020B0604020202020204" pitchFamily="34" charset="0"/>
+              <a:buChar char="•"/>
+              <a:defRPr sz="1800" kern="1200">
+                <a:solidFill>
+                  <a:schemeClr val="tx1"/>
+                </a:solidFill>
+                <a:latin typeface="+mn-lt"/>
+                <a:ea typeface="+mn-ea"/>
+                <a:cs typeface="+mn-cs"/>
+              </a:defRPr>
+            </a:lvl7pPr>
+            <a:lvl8pPr marL="3429000" indent="-228600" algn="l" defTabSz="914400" rtl="0" eaLnBrk="1" latinLnBrk="0" hangingPunct="1">
+              <a:lnSpc>
+                <a:spcPct val="90000"/>
+              </a:lnSpc>
+              <a:spcBef>
+                <a:spcPts val="500"/>
+              </a:spcBef>
+              <a:buFont typeface="Arial" panose="020B0604020202020204" pitchFamily="34" charset="0"/>
+              <a:buChar char="•"/>
+              <a:defRPr sz="1800" kern="1200">
+                <a:solidFill>
+                  <a:schemeClr val="tx1"/>
+                </a:solidFill>
+                <a:latin typeface="+mn-lt"/>
+                <a:ea typeface="+mn-ea"/>
+                <a:cs typeface="+mn-cs"/>
+              </a:defRPr>
+            </a:lvl8pPr>
+            <a:lvl9pPr marL="3886200" indent="-228600" algn="l" defTabSz="914400" rtl="0" eaLnBrk="1" latinLnBrk="0" hangingPunct="1">
+              <a:lnSpc>
+                <a:spcPct val="90000"/>
+              </a:lnSpc>
+              <a:spcBef>
+                <a:spcPts val="500"/>
+              </a:spcBef>
+              <a:buFont typeface="Arial" panose="020B0604020202020204" pitchFamily="34" charset="0"/>
+              <a:buChar char="•"/>
+              <a:defRPr sz="1800" kern="1200">
+                <a:solidFill>
+                  <a:schemeClr val="tx1"/>
+                </a:solidFill>
+                <a:latin typeface="+mn-lt"/>
+                <a:ea typeface="+mn-ea"/>
+                <a:cs typeface="+mn-cs"/>
+              </a:defRPr>
+            </a:lvl9pPr>
+          </a:lstStyle>
+          <a:p>
+            <a:r>
+              <a:rPr lang="zh-CN" altLang="en-US" dirty="0"/>
+              <a:t>本质上是从 </a:t>
+            </a:r>
+            <a:r>
+              <a:rPr lang="en-US" altLang="zh-CN" dirty="0"/>
+              <a:t>str </a:t>
+            </a:r>
+            <a:r>
+              <a:rPr lang="zh-CN" altLang="en-US" dirty="0"/>
+              <a:t>到 </a:t>
+            </a:r>
+            <a:r>
+              <a:rPr lang="en-US" altLang="zh-CN" dirty="0"/>
+              <a:t>str </a:t>
+            </a:r>
+            <a:r>
+              <a:rPr lang="zh-CN" altLang="en-US" dirty="0"/>
+              <a:t>的运算</a:t>
+            </a:r>
+            <a:endParaRPr lang="en-US" altLang="zh-CN" dirty="0"/>
+          </a:p>
+          <a:p>
+            <a:pPr lvl="1"/>
+            <a:r>
+              <a:rPr lang="zh-CN" altLang="en-US" dirty="0"/>
+              <a:t>输出的结果</a:t>
+            </a:r>
+            <a:endParaRPr lang="en-US" altLang="zh-CN" dirty="0"/>
+          </a:p>
+          <a:p>
+            <a:pPr lvl="2"/>
+            <a:r>
+              <a:rPr lang="zh-CN" altLang="en-US" dirty="0"/>
+              <a:t>需要满足一阶逻辑谓词表达式复合的形式</a:t>
+            </a:r>
+            <a:endParaRPr lang="en-US" altLang="zh-CN" dirty="0"/>
+          </a:p>
+          <a:p>
+            <a:pPr lvl="3"/>
+            <a:r>
+              <a:rPr lang="zh-CN" altLang="en-US" dirty="0"/>
+              <a:t>通过 </a:t>
+            </a:r>
+            <a:r>
+              <a:rPr lang="en-US" altLang="zh-CN" dirty="0" err="1"/>
+              <a:t>action_space</a:t>
+            </a:r>
+            <a:r>
+              <a:rPr lang="en-US" altLang="zh-CN" dirty="0"/>
+              <a:t> </a:t>
+            </a:r>
+            <a:r>
+              <a:rPr lang="zh-CN" altLang="en-US" dirty="0"/>
+              <a:t>控制</a:t>
+            </a:r>
+            <a:endParaRPr lang="en-US" altLang="zh-CN" dirty="0"/>
+          </a:p>
+          <a:p>
+            <a:pPr lvl="2"/>
+            <a:r>
+              <a:rPr lang="zh-CN" altLang="en-US" dirty="0"/>
+              <a:t>需要有一定的意义：是 </a:t>
+            </a:r>
+            <a:r>
+              <a:rPr lang="en-US" altLang="zh-CN" dirty="0"/>
+              <a:t>inductive invariant</a:t>
+            </a:r>
+          </a:p>
+          <a:p>
+            <a:pPr lvl="3"/>
+            <a:r>
+              <a:rPr lang="zh-CN" altLang="en-US" dirty="0"/>
+              <a:t>通过 </a:t>
+            </a:r>
+            <a:r>
+              <a:rPr lang="en-US" altLang="zh-CN" dirty="0" err="1"/>
+              <a:t>rl</a:t>
+            </a:r>
+            <a:r>
+              <a:rPr lang="en-US" altLang="zh-CN" dirty="0"/>
+              <a:t> </a:t>
+            </a:r>
+            <a:r>
+              <a:rPr lang="zh-CN" altLang="en-US" dirty="0"/>
+              <a:t>反馈更新</a:t>
+            </a:r>
+          </a:p>
+        </p:txBody>
+      </p:sp>
+      <p:pic>
+        <p:nvPicPr>
+          <p:cNvPr id="1026" name="Picture 2">
+            <a:extLst>
+              <a:ext uri="{FF2B5EF4-FFF2-40B4-BE49-F238E27FC236}">
+                <a16:creationId xmlns:a16="http://schemas.microsoft.com/office/drawing/2014/main" id="{802B9977-189D-CF58-3139-43CA97E26178}"/>
+              </a:ext>
+            </a:extLst>
+          </p:cNvPr>
+          <p:cNvPicPr>
+            <a:picLocks noChangeAspect="1" noChangeArrowheads="1"/>
+          </p:cNvPicPr>
+          <p:nvPr/>
+        </p:nvPicPr>
+        <p:blipFill>
+          <a:blip r:embed="rId4">
+            <a:extLst>
+              <a:ext uri="{28A0092B-C50C-407E-A947-70E740481C1C}">
+                <a14:useLocalDpi xmlns:a14="http://schemas.microsoft.com/office/drawing/2010/main" val="0"/>
+              </a:ext>
+            </a:extLst>
+          </a:blip>
+          <a:srcRect/>
+          <a:stretch>
+            <a:fillRect/>
+          </a:stretch>
+        </p:blipFill>
+        <p:spPr bwMode="auto">
+          <a:xfrm>
+            <a:off x="7511721" y="3521414"/>
+            <a:ext cx="2861989" cy="2474738"/>
+          </a:xfrm>
+          <a:prstGeom prst="rect">
+            <a:avLst/>
+          </a:prstGeom>
+          <a:noFill/>
+          <a:extLst>
+            <a:ext uri="{909E8E84-426E-40DD-AFC4-6F175D3DCCD1}">
+              <a14:hiddenFill xmlns:a14="http://schemas.microsoft.com/office/drawing/2010/main">
+                <a:solidFill>
+                  <a:srgbClr val="FFFFFF"/>
+                </a:solidFill>
+              </a14:hiddenFill>
+            </a:ext>
+          </a:extLst>
+        </p:spPr>
+      </p:pic>
+    </p:spTree>
+    <p:extLst>
+      <p:ext uri="{BB962C8B-B14F-4D97-AF65-F5344CB8AC3E}">
+        <p14:creationId xmlns:p14="http://schemas.microsoft.com/office/powerpoint/2010/main" val="2535803775"/>
+      </p:ext>
+    </p:extLst>
+  </p:cSld>
+  <p:clrMapOvr>
+    <a:masterClrMapping/>
+  </p:clrMapOvr>
+</p:sld>
+</file>
+
+<file path=ppt/slides/slide16.xml><?xml version="1.0" encoding="utf-8"?>
+<p:sld xmlns:a="http://schemas.openxmlformats.org/drawingml/2006/main" xmlns:r="http://schemas.openxmlformats.org/officeDocument/2006/relationships" xmlns:p="http://schemas.openxmlformats.org/presentationml/2006/main">
+  <p:cSld>
+    <p:spTree>
+      <p:nvGrpSpPr>
+        <p:cNvPr id="1" name=""/>
+        <p:cNvGrpSpPr/>
+        <p:nvPr/>
+      </p:nvGrpSpPr>
+      <p:grpSpPr>
+        <a:xfrm>
+          <a:off x="0" y="0"/>
+          <a:ext cx="0" cy="0"/>
+          <a:chOff x="0" y="0"/>
+          <a:chExt cx="0" cy="0"/>
+        </a:xfrm>
+      </p:grpSpPr>
+      <p:sp>
+        <p:nvSpPr>
+          <p:cNvPr id="2" name="标题 1">
+            <a:extLst>
+              <a:ext uri="{FF2B5EF4-FFF2-40B4-BE49-F238E27FC236}">
+                <a16:creationId xmlns:a16="http://schemas.microsoft.com/office/drawing/2014/main" id="{E7BE035D-5A78-555F-2ACA-3A3138AB81D9}"/>
+              </a:ext>
+            </a:extLst>
+          </p:cNvPr>
+          <p:cNvSpPr>
+            <a:spLocks noGrp="1"/>
+          </p:cNvSpPr>
+          <p:nvPr>
+            <p:ph type="title"/>
+          </p:nvPr>
+        </p:nvSpPr>
+        <p:spPr/>
+        <p:txBody>
+          <a:bodyPr/>
+          <a:lstStyle/>
+          <a:p>
+            <a:r>
+              <a:rPr lang="zh-CN" altLang="en-US" dirty="0"/>
+              <a:t>问题</a:t>
+            </a:r>
+          </a:p>
+        </p:txBody>
+      </p:sp>
+      <p:sp>
+        <p:nvSpPr>
+          <p:cNvPr id="3" name="内容占位符 2">
+            <a:extLst>
+              <a:ext uri="{FF2B5EF4-FFF2-40B4-BE49-F238E27FC236}">
+                <a16:creationId xmlns:a16="http://schemas.microsoft.com/office/drawing/2014/main" id="{3ACAC6E9-AF37-F1EE-9C87-3FE9C8825D49}"/>
+              </a:ext>
+            </a:extLst>
+          </p:cNvPr>
+          <p:cNvSpPr>
+            <a:spLocks noGrp="1"/>
+          </p:cNvSpPr>
+          <p:nvPr>
+            <p:ph idx="1"/>
+          </p:nvPr>
+        </p:nvSpPr>
+        <p:spPr/>
+        <p:txBody>
+          <a:bodyPr/>
+          <a:lstStyle/>
+          <a:p>
+            <a:r>
+              <a:rPr lang="zh-CN" altLang="en-US" dirty="0"/>
+              <a:t>需要更多的测试用例 </a:t>
+            </a:r>
+            <a:r>
+              <a:rPr lang="en-US" altLang="zh-CN" dirty="0"/>
+              <a:t>/ </a:t>
+            </a:r>
+            <a:r>
+              <a:rPr lang="zh-CN" altLang="en-US" dirty="0"/>
+              <a:t>测试集</a:t>
+            </a:r>
+            <a:endParaRPr lang="en-US" altLang="zh-CN" dirty="0"/>
+          </a:p>
+          <a:p>
+            <a:pPr lvl="1"/>
+            <a:r>
+              <a:rPr lang="zh-CN" altLang="en-US" dirty="0"/>
+              <a:t>目前只有来自于 </a:t>
+            </a:r>
+            <a:r>
+              <a:rPr lang="en-US" altLang="zh-CN" dirty="0"/>
+              <a:t>endive </a:t>
+            </a:r>
+            <a:r>
+              <a:rPr lang="zh-CN" altLang="en-US" dirty="0"/>
+              <a:t>的 </a:t>
+            </a:r>
+            <a:r>
+              <a:rPr lang="en-US" altLang="zh-CN" dirty="0"/>
+              <a:t>34 </a:t>
+            </a:r>
+            <a:r>
+              <a:rPr lang="zh-CN" altLang="en-US" dirty="0"/>
+              <a:t>个 </a:t>
+            </a:r>
+            <a:r>
+              <a:rPr lang="en-US" altLang="zh-CN" dirty="0" err="1"/>
+              <a:t>tla</a:t>
+            </a:r>
+            <a:r>
+              <a:rPr lang="en-US" altLang="zh-CN" dirty="0"/>
+              <a:t> </a:t>
+            </a:r>
+            <a:r>
+              <a:rPr lang="zh-CN" altLang="en-US" dirty="0"/>
+              <a:t>协议</a:t>
+            </a:r>
+            <a:endParaRPr lang="en-US" altLang="zh-CN" dirty="0"/>
+          </a:p>
+          <a:p>
+            <a:endParaRPr lang="zh-CN" altLang="en-US" dirty="0"/>
+          </a:p>
+        </p:txBody>
+      </p:sp>
+    </p:spTree>
+    <p:extLst>
+      <p:ext uri="{BB962C8B-B14F-4D97-AF65-F5344CB8AC3E}">
+        <p14:creationId xmlns:p14="http://schemas.microsoft.com/office/powerpoint/2010/main" val="1587758203"/>
       </p:ext>
     </p:extLst>
   </p:cSld>

--- a/ZhangJihua-weekly-report.pptx
+++ b/ZhangJihua-weekly-report.pptx
@@ -5,10 +5,10 @@
     <p:sldMasterId id="2147483648" r:id="rId1"/>
   </p:sldMasterIdLst>
   <p:notesMasterIdLst>
-    <p:notesMasterId r:id="rId18"/>
+    <p:notesMasterId r:id="rId22"/>
   </p:notesMasterIdLst>
   <p:handoutMasterIdLst>
-    <p:handoutMasterId r:id="rId19"/>
+    <p:handoutMasterId r:id="rId23"/>
   </p:handoutMasterIdLst>
   <p:sldIdLst>
     <p:sldId id="260" r:id="rId2"/>
@@ -27,6 +27,10 @@
     <p:sldId id="270" r:id="rId15"/>
     <p:sldId id="272" r:id="rId16"/>
     <p:sldId id="271" r:id="rId17"/>
+    <p:sldId id="273" r:id="rId18"/>
+    <p:sldId id="274" r:id="rId19"/>
+    <p:sldId id="275" r:id="rId20"/>
+    <p:sldId id="276" r:id="rId21"/>
   </p:sldIdLst>
   <p:sldSz cx="12192000" cy="6858000"/>
   <p:notesSz cx="6858000" cy="9144000"/>
@@ -230,7 +234,7 @@
           <a:p>
             <a:fld id="{14F3DC20-60EE-4AC4-A336-F3C5F824C6A0}" type="datetimeFigureOut">
               <a:rPr lang="zh-CN" altLang="en-US" smtClean="0"/>
-              <a:t>2024/4/7</a:t>
+              <a:t>2024/4/18</a:t>
             </a:fld>
             <a:endParaRPr lang="zh-CN" altLang="en-US"/>
           </a:p>
@@ -423,7 +427,7 @@
           <a:p>
             <a:fld id="{366AB279-2788-414B-AE10-F50EF6F25E65}" type="datetimeFigureOut">
               <a:rPr lang="zh-CN" altLang="en-US" smtClean="0"/>
-              <a:t>2024/4/7</a:t>
+              <a:t>2024/4/18</a:t>
             </a:fld>
             <a:endParaRPr lang="zh-CN" altLang="en-US"/>
           </a:p>
@@ -1021,7 +1025,7 @@
           <a:p>
             <a:fld id="{15E169F2-D236-49A1-8FEA-62A763B8807F}" type="datetimeFigureOut">
               <a:rPr lang="zh-CN" altLang="en-US" smtClean="0"/>
-              <a:t>2024/4/7</a:t>
+              <a:t>2024/4/18</a:t>
             </a:fld>
             <a:endParaRPr lang="zh-CN" altLang="en-US"/>
           </a:p>
@@ -1219,7 +1223,7 @@
           <a:p>
             <a:fld id="{15E169F2-D236-49A1-8FEA-62A763B8807F}" type="datetimeFigureOut">
               <a:rPr lang="zh-CN" altLang="en-US" smtClean="0"/>
-              <a:t>2024/4/7</a:t>
+              <a:t>2024/4/18</a:t>
             </a:fld>
             <a:endParaRPr lang="zh-CN" altLang="en-US"/>
           </a:p>
@@ -1427,7 +1431,7 @@
           <a:p>
             <a:fld id="{15E169F2-D236-49A1-8FEA-62A763B8807F}" type="datetimeFigureOut">
               <a:rPr lang="zh-CN" altLang="en-US" smtClean="0"/>
-              <a:t>2024/4/7</a:t>
+              <a:t>2024/4/18</a:t>
             </a:fld>
             <a:endParaRPr lang="zh-CN" altLang="en-US"/>
           </a:p>
@@ -1625,7 +1629,7 @@
           <a:p>
             <a:fld id="{15E169F2-D236-49A1-8FEA-62A763B8807F}" type="datetimeFigureOut">
               <a:rPr lang="zh-CN" altLang="en-US" smtClean="0"/>
-              <a:t>2024/4/7</a:t>
+              <a:t>2024/4/18</a:t>
             </a:fld>
             <a:endParaRPr lang="zh-CN" altLang="en-US"/>
           </a:p>
@@ -1900,7 +1904,7 @@
           <a:p>
             <a:fld id="{15E169F2-D236-49A1-8FEA-62A763B8807F}" type="datetimeFigureOut">
               <a:rPr lang="zh-CN" altLang="en-US" smtClean="0"/>
-              <a:t>2024/4/7</a:t>
+              <a:t>2024/4/18</a:t>
             </a:fld>
             <a:endParaRPr lang="zh-CN" altLang="en-US"/>
           </a:p>
@@ -2165,7 +2169,7 @@
           <a:p>
             <a:fld id="{15E169F2-D236-49A1-8FEA-62A763B8807F}" type="datetimeFigureOut">
               <a:rPr lang="zh-CN" altLang="en-US" smtClean="0"/>
-              <a:t>2024/4/7</a:t>
+              <a:t>2024/4/18</a:t>
             </a:fld>
             <a:endParaRPr lang="zh-CN" altLang="en-US"/>
           </a:p>
@@ -2577,7 +2581,7 @@
           <a:p>
             <a:fld id="{15E169F2-D236-49A1-8FEA-62A763B8807F}" type="datetimeFigureOut">
               <a:rPr lang="zh-CN" altLang="en-US" smtClean="0"/>
-              <a:t>2024/4/7</a:t>
+              <a:t>2024/4/18</a:t>
             </a:fld>
             <a:endParaRPr lang="zh-CN" altLang="en-US"/>
           </a:p>
@@ -2718,7 +2722,7 @@
           <a:p>
             <a:fld id="{15E169F2-D236-49A1-8FEA-62A763B8807F}" type="datetimeFigureOut">
               <a:rPr lang="zh-CN" altLang="en-US" smtClean="0"/>
-              <a:t>2024/4/7</a:t>
+              <a:t>2024/4/18</a:t>
             </a:fld>
             <a:endParaRPr lang="zh-CN" altLang="en-US"/>
           </a:p>
@@ -2831,7 +2835,7 @@
           <a:p>
             <a:fld id="{15E169F2-D236-49A1-8FEA-62A763B8807F}" type="datetimeFigureOut">
               <a:rPr lang="zh-CN" altLang="en-US" smtClean="0"/>
-              <a:t>2024/4/7</a:t>
+              <a:t>2024/4/18</a:t>
             </a:fld>
             <a:endParaRPr lang="zh-CN" altLang="en-US"/>
           </a:p>
@@ -3142,7 +3146,7 @@
           <a:p>
             <a:fld id="{15E169F2-D236-49A1-8FEA-62A763B8807F}" type="datetimeFigureOut">
               <a:rPr lang="zh-CN" altLang="en-US" smtClean="0"/>
-              <a:t>2024/4/7</a:t>
+              <a:t>2024/4/18</a:t>
             </a:fld>
             <a:endParaRPr lang="zh-CN" altLang="en-US"/>
           </a:p>
@@ -3430,7 +3434,7 @@
           <a:p>
             <a:fld id="{15E169F2-D236-49A1-8FEA-62A763B8807F}" type="datetimeFigureOut">
               <a:rPr lang="zh-CN" altLang="en-US" smtClean="0"/>
-              <a:t>2024/4/7</a:t>
+              <a:t>2024/4/18</a:t>
             </a:fld>
             <a:endParaRPr lang="zh-CN" altLang="en-US"/>
           </a:p>
@@ -3671,7 +3675,7 @@
           <a:p>
             <a:fld id="{15E169F2-D236-49A1-8FEA-62A763B8807F}" type="datetimeFigureOut">
               <a:rPr lang="zh-CN" altLang="en-US" smtClean="0"/>
-              <a:t>2024/4/7</a:t>
+              <a:t>2024/4/18</a:t>
             </a:fld>
             <a:endParaRPr lang="zh-CN" altLang="en-US"/>
           </a:p>
@@ -5630,6 +5634,253 @@
 </p:sld>
 </file>
 
+<file path=ppt/slides/slide17.xml><?xml version="1.0" encoding="utf-8"?>
+<p:sld xmlns:a="http://schemas.openxmlformats.org/drawingml/2006/main" xmlns:r="http://schemas.openxmlformats.org/officeDocument/2006/relationships" xmlns:p="http://schemas.openxmlformats.org/presentationml/2006/main">
+  <p:cSld>
+    <p:spTree>
+      <p:nvGrpSpPr>
+        <p:cNvPr id="1" name=""/>
+        <p:cNvGrpSpPr/>
+        <p:nvPr/>
+      </p:nvGrpSpPr>
+      <p:grpSpPr>
+        <a:xfrm>
+          <a:off x="0" y="0"/>
+          <a:ext cx="0" cy="0"/>
+          <a:chOff x="0" y="0"/>
+          <a:chExt cx="0" cy="0"/>
+        </a:xfrm>
+      </p:grpSpPr>
+      <p:sp>
+        <p:nvSpPr>
+          <p:cNvPr id="2" name="标题 1">
+            <a:extLst>
+              <a:ext uri="{FF2B5EF4-FFF2-40B4-BE49-F238E27FC236}">
+                <a16:creationId xmlns:a16="http://schemas.microsoft.com/office/drawing/2014/main" id="{A5C12E6F-F2D8-2279-B69C-F970DF97F7CB}"/>
+              </a:ext>
+            </a:extLst>
+          </p:cNvPr>
+          <p:cNvSpPr>
+            <a:spLocks noGrp="1"/>
+          </p:cNvSpPr>
+          <p:nvPr>
+            <p:ph type="title"/>
+          </p:nvPr>
+        </p:nvSpPr>
+        <p:spPr/>
+        <p:txBody>
+          <a:bodyPr/>
+          <a:lstStyle/>
+          <a:p>
+            <a:r>
+              <a:rPr lang="en-US" altLang="zh-CN" dirty="0"/>
+              <a:t>0409-0419</a:t>
+            </a:r>
+            <a:endParaRPr lang="zh-CN" altLang="en-US" dirty="0"/>
+          </a:p>
+        </p:txBody>
+      </p:sp>
+      <p:sp>
+        <p:nvSpPr>
+          <p:cNvPr id="3" name="文本占位符 2">
+            <a:extLst>
+              <a:ext uri="{FF2B5EF4-FFF2-40B4-BE49-F238E27FC236}">
+                <a16:creationId xmlns:a16="http://schemas.microsoft.com/office/drawing/2014/main" id="{5155B04F-A77D-64CA-E73B-25D40995DA75}"/>
+              </a:ext>
+            </a:extLst>
+          </p:cNvPr>
+          <p:cNvSpPr>
+            <a:spLocks noGrp="1"/>
+          </p:cNvSpPr>
+          <p:nvPr>
+            <p:ph type="body" idx="1"/>
+          </p:nvPr>
+        </p:nvSpPr>
+        <p:spPr/>
+        <p:txBody>
+          <a:bodyPr/>
+          <a:lstStyle/>
+          <a:p>
+            <a:endParaRPr lang="zh-CN" altLang="en-US" dirty="0"/>
+          </a:p>
+        </p:txBody>
+      </p:sp>
+    </p:spTree>
+    <p:extLst>
+      <p:ext uri="{BB962C8B-B14F-4D97-AF65-F5344CB8AC3E}">
+        <p14:creationId xmlns:p14="http://schemas.microsoft.com/office/powerpoint/2010/main" val="2536722788"/>
+      </p:ext>
+    </p:extLst>
+  </p:cSld>
+  <p:clrMapOvr>
+    <a:masterClrMapping/>
+  </p:clrMapOvr>
+</p:sld>
+</file>
+
+<file path=ppt/slides/slide18.xml><?xml version="1.0" encoding="utf-8"?>
+<p:sld xmlns:a="http://schemas.openxmlformats.org/drawingml/2006/main" xmlns:r="http://schemas.openxmlformats.org/officeDocument/2006/relationships" xmlns:p="http://schemas.openxmlformats.org/presentationml/2006/main">
+  <p:cSld>
+    <p:spTree>
+      <p:nvGrpSpPr>
+        <p:cNvPr id="1" name=""/>
+        <p:cNvGrpSpPr/>
+        <p:nvPr/>
+      </p:nvGrpSpPr>
+      <p:grpSpPr>
+        <a:xfrm>
+          <a:off x="0" y="0"/>
+          <a:ext cx="0" cy="0"/>
+          <a:chOff x="0" y="0"/>
+          <a:chExt cx="0" cy="0"/>
+        </a:xfrm>
+      </p:grpSpPr>
+      <p:sp>
+        <p:nvSpPr>
+          <p:cNvPr id="2" name="标题 1">
+            <a:extLst>
+              <a:ext uri="{FF2B5EF4-FFF2-40B4-BE49-F238E27FC236}">
+                <a16:creationId xmlns:a16="http://schemas.microsoft.com/office/drawing/2014/main" id="{151099FD-A33C-33F3-BE3C-A06807B8D2E2}"/>
+              </a:ext>
+            </a:extLst>
+          </p:cNvPr>
+          <p:cNvSpPr>
+            <a:spLocks noGrp="1"/>
+          </p:cNvSpPr>
+          <p:nvPr>
+            <p:ph type="title"/>
+          </p:nvPr>
+        </p:nvSpPr>
+        <p:spPr/>
+        <p:txBody>
+          <a:bodyPr/>
+          <a:lstStyle/>
+          <a:p>
+            <a:r>
+              <a:rPr lang="zh-CN" altLang="en-US" dirty="0"/>
+              <a:t>进展</a:t>
+            </a:r>
+          </a:p>
+        </p:txBody>
+      </p:sp>
+      <p:sp>
+        <p:nvSpPr>
+          <p:cNvPr id="3" name="内容占位符 2">
+            <a:extLst>
+              <a:ext uri="{FF2B5EF4-FFF2-40B4-BE49-F238E27FC236}">
+                <a16:creationId xmlns:a16="http://schemas.microsoft.com/office/drawing/2014/main" id="{95C50F58-2D04-AF50-5E19-6D05C26F8AB4}"/>
+              </a:ext>
+            </a:extLst>
+          </p:cNvPr>
+          <p:cNvSpPr>
+            <a:spLocks noGrp="1"/>
+          </p:cNvSpPr>
+          <p:nvPr>
+            <p:ph idx="1"/>
+          </p:nvPr>
+        </p:nvSpPr>
+        <p:spPr/>
+        <p:txBody>
+          <a:bodyPr/>
+          <a:lstStyle/>
+          <a:p>
+            <a:endParaRPr lang="zh-CN" altLang="en-US" dirty="0"/>
+          </a:p>
+        </p:txBody>
+      </p:sp>
+    </p:spTree>
+    <p:extLst>
+      <p:ext uri="{BB962C8B-B14F-4D97-AF65-F5344CB8AC3E}">
+        <p14:creationId xmlns:p14="http://schemas.microsoft.com/office/powerpoint/2010/main" val="62561033"/>
+      </p:ext>
+    </p:extLst>
+  </p:cSld>
+  <p:clrMapOvr>
+    <a:masterClrMapping/>
+  </p:clrMapOvr>
+</p:sld>
+</file>
+
+<file path=ppt/slides/slide19.xml><?xml version="1.0" encoding="utf-8"?>
+<p:sld xmlns:a="http://schemas.openxmlformats.org/drawingml/2006/main" xmlns:r="http://schemas.openxmlformats.org/officeDocument/2006/relationships" xmlns:p="http://schemas.openxmlformats.org/presentationml/2006/main">
+  <p:cSld>
+    <p:spTree>
+      <p:nvGrpSpPr>
+        <p:cNvPr id="1" name=""/>
+        <p:cNvGrpSpPr/>
+        <p:nvPr/>
+      </p:nvGrpSpPr>
+      <p:grpSpPr>
+        <a:xfrm>
+          <a:off x="0" y="0"/>
+          <a:ext cx="0" cy="0"/>
+          <a:chOff x="0" y="0"/>
+          <a:chExt cx="0" cy="0"/>
+        </a:xfrm>
+      </p:grpSpPr>
+      <p:sp>
+        <p:nvSpPr>
+          <p:cNvPr id="2" name="标题 1">
+            <a:extLst>
+              <a:ext uri="{FF2B5EF4-FFF2-40B4-BE49-F238E27FC236}">
+                <a16:creationId xmlns:a16="http://schemas.microsoft.com/office/drawing/2014/main" id="{151099FD-A33C-33F3-BE3C-A06807B8D2E2}"/>
+              </a:ext>
+            </a:extLst>
+          </p:cNvPr>
+          <p:cNvSpPr>
+            <a:spLocks noGrp="1"/>
+          </p:cNvSpPr>
+          <p:nvPr>
+            <p:ph type="title"/>
+          </p:nvPr>
+        </p:nvSpPr>
+        <p:spPr/>
+        <p:txBody>
+          <a:bodyPr/>
+          <a:lstStyle/>
+          <a:p>
+            <a:endParaRPr lang="zh-CN" altLang="en-US"/>
+          </a:p>
+        </p:txBody>
+      </p:sp>
+      <p:sp>
+        <p:nvSpPr>
+          <p:cNvPr id="3" name="内容占位符 2">
+            <a:extLst>
+              <a:ext uri="{FF2B5EF4-FFF2-40B4-BE49-F238E27FC236}">
+                <a16:creationId xmlns:a16="http://schemas.microsoft.com/office/drawing/2014/main" id="{95C50F58-2D04-AF50-5E19-6D05C26F8AB4}"/>
+              </a:ext>
+            </a:extLst>
+          </p:cNvPr>
+          <p:cNvSpPr>
+            <a:spLocks noGrp="1"/>
+          </p:cNvSpPr>
+          <p:nvPr>
+            <p:ph idx="1"/>
+          </p:nvPr>
+        </p:nvSpPr>
+        <p:spPr/>
+        <p:txBody>
+          <a:bodyPr/>
+          <a:lstStyle/>
+          <a:p>
+            <a:endParaRPr lang="zh-CN" altLang="en-US" dirty="0"/>
+          </a:p>
+        </p:txBody>
+      </p:sp>
+    </p:spTree>
+    <p:extLst>
+      <p:ext uri="{BB962C8B-B14F-4D97-AF65-F5344CB8AC3E}">
+        <p14:creationId xmlns:p14="http://schemas.microsoft.com/office/powerpoint/2010/main" val="4242207003"/>
+      </p:ext>
+    </p:extLst>
+  </p:cSld>
+  <p:clrMapOvr>
+    <a:masterClrMapping/>
+  </p:clrMapOvr>
+</p:sld>
+</file>
+
 <file path=ppt/slides/slide2.xml><?xml version="1.0" encoding="utf-8"?>
 <p:sld xmlns:a="http://schemas.openxmlformats.org/drawingml/2006/main" xmlns:r="http://schemas.openxmlformats.org/officeDocument/2006/relationships" xmlns:p="http://schemas.openxmlformats.org/presentationml/2006/main">
   <p:cSld>
@@ -5815,6 +6066,86 @@
     <p:extLst>
       <p:ext uri="{BB962C8B-B14F-4D97-AF65-F5344CB8AC3E}">
         <p14:creationId xmlns:p14="http://schemas.microsoft.com/office/powerpoint/2010/main" val="1100577848"/>
+      </p:ext>
+    </p:extLst>
+  </p:cSld>
+  <p:clrMapOvr>
+    <a:masterClrMapping/>
+  </p:clrMapOvr>
+</p:sld>
+</file>
+
+<file path=ppt/slides/slide20.xml><?xml version="1.0" encoding="utf-8"?>
+<p:sld xmlns:a="http://schemas.openxmlformats.org/drawingml/2006/main" xmlns:r="http://schemas.openxmlformats.org/officeDocument/2006/relationships" xmlns:p="http://schemas.openxmlformats.org/presentationml/2006/main">
+  <p:cSld>
+    <p:spTree>
+      <p:nvGrpSpPr>
+        <p:cNvPr id="1" name=""/>
+        <p:cNvGrpSpPr/>
+        <p:nvPr/>
+      </p:nvGrpSpPr>
+      <p:grpSpPr>
+        <a:xfrm>
+          <a:off x="0" y="0"/>
+          <a:ext cx="0" cy="0"/>
+          <a:chOff x="0" y="0"/>
+          <a:chExt cx="0" cy="0"/>
+        </a:xfrm>
+      </p:grpSpPr>
+      <p:sp>
+        <p:nvSpPr>
+          <p:cNvPr id="2" name="标题 1">
+            <a:extLst>
+              <a:ext uri="{FF2B5EF4-FFF2-40B4-BE49-F238E27FC236}">
+                <a16:creationId xmlns:a16="http://schemas.microsoft.com/office/drawing/2014/main" id="{151099FD-A33C-33F3-BE3C-A06807B8D2E2}"/>
+              </a:ext>
+            </a:extLst>
+          </p:cNvPr>
+          <p:cNvSpPr>
+            <a:spLocks noGrp="1"/>
+          </p:cNvSpPr>
+          <p:nvPr>
+            <p:ph type="title"/>
+          </p:nvPr>
+        </p:nvSpPr>
+        <p:spPr/>
+        <p:txBody>
+          <a:bodyPr/>
+          <a:lstStyle/>
+          <a:p>
+            <a:endParaRPr lang="zh-CN" altLang="en-US"/>
+          </a:p>
+        </p:txBody>
+      </p:sp>
+      <p:sp>
+        <p:nvSpPr>
+          <p:cNvPr id="3" name="内容占位符 2">
+            <a:extLst>
+              <a:ext uri="{FF2B5EF4-FFF2-40B4-BE49-F238E27FC236}">
+                <a16:creationId xmlns:a16="http://schemas.microsoft.com/office/drawing/2014/main" id="{95C50F58-2D04-AF50-5E19-6D05C26F8AB4}"/>
+              </a:ext>
+            </a:extLst>
+          </p:cNvPr>
+          <p:cNvSpPr>
+            <a:spLocks noGrp="1"/>
+          </p:cNvSpPr>
+          <p:nvPr>
+            <p:ph idx="1"/>
+          </p:nvPr>
+        </p:nvSpPr>
+        <p:spPr/>
+        <p:txBody>
+          <a:bodyPr/>
+          <a:lstStyle/>
+          <a:p>
+            <a:endParaRPr lang="zh-CN" altLang="en-US" dirty="0"/>
+          </a:p>
+        </p:txBody>
+      </p:sp>
+    </p:spTree>
+    <p:extLst>
+      <p:ext uri="{BB962C8B-B14F-4D97-AF65-F5344CB8AC3E}">
+        <p14:creationId xmlns:p14="http://schemas.microsoft.com/office/powerpoint/2010/main" val="1231919226"/>
       </p:ext>
     </p:extLst>
   </p:cSld>

--- a/ZhangJihua-weekly-report.pptx
+++ b/ZhangJihua-weekly-report.pptx
@@ -5,10 +5,10 @@
     <p:sldMasterId id="2147483648" r:id="rId1"/>
   </p:sldMasterIdLst>
   <p:notesMasterIdLst>
-    <p:notesMasterId r:id="rId22"/>
+    <p:notesMasterId r:id="rId21"/>
   </p:notesMasterIdLst>
   <p:handoutMasterIdLst>
-    <p:handoutMasterId r:id="rId23"/>
+    <p:handoutMasterId r:id="rId22"/>
   </p:handoutMasterIdLst>
   <p:sldIdLst>
     <p:sldId id="260" r:id="rId2"/>
@@ -30,7 +30,6 @@
     <p:sldId id="273" r:id="rId18"/>
     <p:sldId id="274" r:id="rId19"/>
     <p:sldId id="275" r:id="rId20"/>
-    <p:sldId id="276" r:id="rId21"/>
   </p:sldIdLst>
   <p:sldSz cx="12192000" cy="6858000"/>
   <p:notesSz cx="6858000" cy="9144000"/>
@@ -234,7 +233,7 @@
           <a:p>
             <a:fld id="{14F3DC20-60EE-4AC4-A336-F3C5F824C6A0}" type="datetimeFigureOut">
               <a:rPr lang="zh-CN" altLang="en-US" smtClean="0"/>
-              <a:t>2024/4/18</a:t>
+              <a:t>2024/5/11</a:t>
             </a:fld>
             <a:endParaRPr lang="zh-CN" altLang="en-US"/>
           </a:p>
@@ -427,7 +426,7 @@
           <a:p>
             <a:fld id="{366AB279-2788-414B-AE10-F50EF6F25E65}" type="datetimeFigureOut">
               <a:rPr lang="zh-CN" altLang="en-US" smtClean="0"/>
-              <a:t>2024/4/18</a:t>
+              <a:t>2024/5/11</a:t>
             </a:fld>
             <a:endParaRPr lang="zh-CN" altLang="en-US"/>
           </a:p>
@@ -1025,7 +1024,7 @@
           <a:p>
             <a:fld id="{15E169F2-D236-49A1-8FEA-62A763B8807F}" type="datetimeFigureOut">
               <a:rPr lang="zh-CN" altLang="en-US" smtClean="0"/>
-              <a:t>2024/4/18</a:t>
+              <a:t>2024/5/11</a:t>
             </a:fld>
             <a:endParaRPr lang="zh-CN" altLang="en-US"/>
           </a:p>
@@ -1223,7 +1222,7 @@
           <a:p>
             <a:fld id="{15E169F2-D236-49A1-8FEA-62A763B8807F}" type="datetimeFigureOut">
               <a:rPr lang="zh-CN" altLang="en-US" smtClean="0"/>
-              <a:t>2024/4/18</a:t>
+              <a:t>2024/5/11</a:t>
             </a:fld>
             <a:endParaRPr lang="zh-CN" altLang="en-US"/>
           </a:p>
@@ -1431,7 +1430,7 @@
           <a:p>
             <a:fld id="{15E169F2-D236-49A1-8FEA-62A763B8807F}" type="datetimeFigureOut">
               <a:rPr lang="zh-CN" altLang="en-US" smtClean="0"/>
-              <a:t>2024/4/18</a:t>
+              <a:t>2024/5/11</a:t>
             </a:fld>
             <a:endParaRPr lang="zh-CN" altLang="en-US"/>
           </a:p>
@@ -1629,7 +1628,7 @@
           <a:p>
             <a:fld id="{15E169F2-D236-49A1-8FEA-62A763B8807F}" type="datetimeFigureOut">
               <a:rPr lang="zh-CN" altLang="en-US" smtClean="0"/>
-              <a:t>2024/4/18</a:t>
+              <a:t>2024/5/11</a:t>
             </a:fld>
             <a:endParaRPr lang="zh-CN" altLang="en-US"/>
           </a:p>
@@ -1904,7 +1903,7 @@
           <a:p>
             <a:fld id="{15E169F2-D236-49A1-8FEA-62A763B8807F}" type="datetimeFigureOut">
               <a:rPr lang="zh-CN" altLang="en-US" smtClean="0"/>
-              <a:t>2024/4/18</a:t>
+              <a:t>2024/5/11</a:t>
             </a:fld>
             <a:endParaRPr lang="zh-CN" altLang="en-US"/>
           </a:p>
@@ -2169,7 +2168,7 @@
           <a:p>
             <a:fld id="{15E169F2-D236-49A1-8FEA-62A763B8807F}" type="datetimeFigureOut">
               <a:rPr lang="zh-CN" altLang="en-US" smtClean="0"/>
-              <a:t>2024/4/18</a:t>
+              <a:t>2024/5/11</a:t>
             </a:fld>
             <a:endParaRPr lang="zh-CN" altLang="en-US"/>
           </a:p>
@@ -2581,7 +2580,7 @@
           <a:p>
             <a:fld id="{15E169F2-D236-49A1-8FEA-62A763B8807F}" type="datetimeFigureOut">
               <a:rPr lang="zh-CN" altLang="en-US" smtClean="0"/>
-              <a:t>2024/4/18</a:t>
+              <a:t>2024/5/11</a:t>
             </a:fld>
             <a:endParaRPr lang="zh-CN" altLang="en-US"/>
           </a:p>
@@ -2722,7 +2721,7 @@
           <a:p>
             <a:fld id="{15E169F2-D236-49A1-8FEA-62A763B8807F}" type="datetimeFigureOut">
               <a:rPr lang="zh-CN" altLang="en-US" smtClean="0"/>
-              <a:t>2024/4/18</a:t>
+              <a:t>2024/5/11</a:t>
             </a:fld>
             <a:endParaRPr lang="zh-CN" altLang="en-US"/>
           </a:p>
@@ -2835,7 +2834,7 @@
           <a:p>
             <a:fld id="{15E169F2-D236-49A1-8FEA-62A763B8807F}" type="datetimeFigureOut">
               <a:rPr lang="zh-CN" altLang="en-US" smtClean="0"/>
-              <a:t>2024/4/18</a:t>
+              <a:t>2024/5/11</a:t>
             </a:fld>
             <a:endParaRPr lang="zh-CN" altLang="en-US"/>
           </a:p>
@@ -3146,7 +3145,7 @@
           <a:p>
             <a:fld id="{15E169F2-D236-49A1-8FEA-62A763B8807F}" type="datetimeFigureOut">
               <a:rPr lang="zh-CN" altLang="en-US" smtClean="0"/>
-              <a:t>2024/4/18</a:t>
+              <a:t>2024/5/11</a:t>
             </a:fld>
             <a:endParaRPr lang="zh-CN" altLang="en-US"/>
           </a:p>
@@ -3434,7 +3433,7 @@
           <a:p>
             <a:fld id="{15E169F2-D236-49A1-8FEA-62A763B8807F}" type="datetimeFigureOut">
               <a:rPr lang="zh-CN" altLang="en-US" smtClean="0"/>
-              <a:t>2024/4/18</a:t>
+              <a:t>2024/5/11</a:t>
             </a:fld>
             <a:endParaRPr lang="zh-CN" altLang="en-US"/>
           </a:p>
@@ -3675,7 +3674,7 @@
           <a:p>
             <a:fld id="{15E169F2-D236-49A1-8FEA-62A763B8807F}" type="datetimeFigureOut">
               <a:rPr lang="zh-CN" altLang="en-US" smtClean="0"/>
-              <a:t>2024/4/18</a:t>
+              <a:t>2024/5/11</a:t>
             </a:fld>
             <a:endParaRPr lang="zh-CN" altLang="en-US"/>
           </a:p>
@@ -5674,7 +5673,7 @@
           <a:p>
             <a:r>
               <a:rPr lang="en-US" altLang="zh-CN" dirty="0"/>
-              <a:t>0409-0419</a:t>
+              <a:t>0419-0511</a:t>
             </a:r>
             <a:endParaRPr lang="zh-CN" altLang="en-US" dirty="0"/>
           </a:p>
@@ -5758,7 +5757,7 @@
           <a:p>
             <a:r>
               <a:rPr lang="zh-CN" altLang="en-US" dirty="0"/>
-              <a:t>进展</a:t>
+              <a:t>进展和计划</a:t>
             </a:r>
           </a:p>
         </p:txBody>
@@ -5781,13 +5780,173 @@
         </p:nvSpPr>
         <p:spPr/>
         <p:txBody>
-          <a:bodyPr/>
-          <a:lstStyle/>
-          <a:p>
+          <a:bodyPr>
+            <a:normAutofit/>
+          </a:bodyPr>
+          <a:lstStyle/>
+          <a:p>
+            <a:r>
+              <a:rPr lang="zh-CN" altLang="en-US" dirty="0"/>
+              <a:t>代码</a:t>
+            </a:r>
+            <a:endParaRPr lang="en-US" altLang="zh-CN" dirty="0"/>
+          </a:p>
+          <a:p>
+            <a:pPr lvl="1"/>
+            <a:r>
+              <a:rPr lang="zh-CN" altLang="en-US" dirty="0"/>
+              <a:t>代码初步完成</a:t>
+            </a:r>
+            <a:endParaRPr lang="en-US" altLang="zh-CN" dirty="0"/>
+          </a:p>
+          <a:p>
+            <a:pPr lvl="2"/>
+            <a:r>
+              <a:rPr lang="zh-CN" altLang="en-US" dirty="0"/>
+              <a:t>非强化学习部分的功能已经验证，检测器调用输出部分需要精简信息</a:t>
+            </a:r>
+            <a:endParaRPr lang="en-US" altLang="zh-CN" dirty="0"/>
+          </a:p>
+          <a:p>
+            <a:pPr lvl="2"/>
+            <a:r>
+              <a:rPr lang="zh-CN" altLang="en-US" dirty="0"/>
+              <a:t>这部分功能上和 </a:t>
+            </a:r>
+            <a:r>
+              <a:rPr lang="en-US" altLang="zh-CN" dirty="0"/>
+              <a:t>endive </a:t>
+            </a:r>
+            <a:r>
+              <a:rPr lang="zh-CN" altLang="en-US" dirty="0"/>
+              <a:t>对应的部分有些不同，需要精简和调整逻辑</a:t>
+            </a:r>
+            <a:endParaRPr lang="en-US" altLang="zh-CN" dirty="0"/>
+          </a:p>
+          <a:p>
+            <a:pPr lvl="2"/>
+            <a:endParaRPr lang="en-US" altLang="zh-CN" dirty="0"/>
+          </a:p>
+          <a:p>
+            <a:pPr lvl="2"/>
+            <a:endParaRPr lang="en-US" altLang="zh-CN" dirty="0"/>
+          </a:p>
+          <a:p>
+            <a:pPr lvl="2"/>
+            <a:r>
+              <a:rPr lang="zh-CN" altLang="en-US" dirty="0"/>
+              <a:t>逻辑调整 </a:t>
+            </a:r>
+            <a:r>
+              <a:rPr lang="en-US" altLang="zh-CN" dirty="0"/>
+              <a:t>e.g. </a:t>
+            </a:r>
+            <a:r>
+              <a:rPr lang="zh-CN" altLang="en-US" dirty="0"/>
+              <a:t>候选不变式合取长度随进展递增？</a:t>
+            </a:r>
+            <a:endParaRPr lang="en-US" altLang="zh-CN" dirty="0"/>
+          </a:p>
+          <a:p>
+            <a:pPr lvl="1"/>
+            <a:r>
+              <a:rPr lang="zh-CN" altLang="en-US" dirty="0"/>
+              <a:t>强化学习部分，逻辑上跑通了，由于机器问题</a:t>
+            </a:r>
+            <a:r>
+              <a:rPr lang="en-US" altLang="zh-CN" dirty="0"/>
+              <a:t>(</a:t>
+            </a:r>
+            <a:r>
+              <a:rPr lang="zh-CN" altLang="en-US" dirty="0"/>
+              <a:t>没有显卡，内存不足），只进行了一步计算</a:t>
+            </a:r>
+            <a:endParaRPr lang="en-US" altLang="zh-CN" dirty="0"/>
+          </a:p>
+          <a:p>
+            <a:pPr lvl="2"/>
+            <a:r>
+              <a:rPr lang="zh-CN" altLang="en-US" dirty="0"/>
+              <a:t>环境中</a:t>
+            </a:r>
+            <a:r>
+              <a:rPr lang="en-US" altLang="zh-CN" dirty="0" err="1"/>
+              <a:t>Observation_space</a:t>
+            </a:r>
+            <a:r>
+              <a:rPr lang="en-US" altLang="zh-CN" dirty="0"/>
+              <a:t> </a:t>
+            </a:r>
+            <a:r>
+              <a:rPr lang="zh-CN" altLang="en-US" dirty="0"/>
+              <a:t>的参数需要调整，现有的空间参数对机器的要求过高</a:t>
+            </a:r>
+            <a:endParaRPr lang="en-US" altLang="zh-CN" dirty="0"/>
+          </a:p>
+          <a:p>
+            <a:pPr lvl="2"/>
+            <a:r>
+              <a:rPr lang="zh-CN" altLang="en-US" dirty="0"/>
+              <a:t>强化学习网络、策略等设置  </a:t>
+            </a:r>
+            <a:r>
+              <a:rPr lang="en-US" altLang="zh-CN" dirty="0"/>
+              <a:t>?-</a:t>
+            </a:r>
+            <a:r>
+              <a:rPr lang="zh-CN" altLang="en-US" dirty="0"/>
+              <a:t>这部分可能有未知的问题</a:t>
+            </a:r>
+            <a:endParaRPr lang="en-US" altLang="zh-CN" dirty="0"/>
+          </a:p>
+          <a:p>
+            <a:pPr lvl="2"/>
+            <a:r>
+              <a:rPr lang="zh-CN" altLang="en-US" dirty="0"/>
+              <a:t>可能有的机器问题</a:t>
+            </a:r>
+            <a:endParaRPr lang="en-US" altLang="zh-CN" dirty="0"/>
+          </a:p>
+          <a:p>
+            <a:pPr lvl="2"/>
+            <a:endParaRPr lang="en-US" altLang="zh-CN" dirty="0"/>
+          </a:p>
+          <a:p>
+            <a:pPr lvl="1"/>
             <a:endParaRPr lang="zh-CN" altLang="en-US" dirty="0"/>
           </a:p>
         </p:txBody>
       </p:sp>
+      <p:pic>
+        <p:nvPicPr>
+          <p:cNvPr id="5" name="图片 4">
+            <a:extLst>
+              <a:ext uri="{FF2B5EF4-FFF2-40B4-BE49-F238E27FC236}">
+                <a16:creationId xmlns:a16="http://schemas.microsoft.com/office/drawing/2014/main" id="{78FA92E4-E476-5D1B-9A62-D4670810A320}"/>
+              </a:ext>
+            </a:extLst>
+          </p:cNvPr>
+          <p:cNvPicPr>
+            <a:picLocks noChangeAspect="1"/>
+          </p:cNvPicPr>
+          <p:nvPr/>
+        </p:nvPicPr>
+        <p:blipFill>
+          <a:blip r:embed="rId2"/>
+          <a:stretch>
+            <a:fillRect/>
+          </a:stretch>
+        </p:blipFill>
+        <p:spPr>
+          <a:xfrm>
+            <a:off x="7422911" y="2754032"/>
+            <a:ext cx="4442845" cy="838273"/>
+          </a:xfrm>
+          <a:prstGeom prst="rect">
+            <a:avLst/>
+          </a:prstGeom>
+        </p:spPr>
+      </p:pic>
     </p:spTree>
     <p:extLst>
       <p:ext uri="{BB962C8B-B14F-4D97-AF65-F5344CB8AC3E}">
@@ -5839,7 +5998,10 @@
           <a:bodyPr/>
           <a:lstStyle/>
           <a:p>
-            <a:endParaRPr lang="zh-CN" altLang="en-US"/>
+            <a:r>
+              <a:rPr lang="zh-CN" altLang="en-US" dirty="0"/>
+              <a:t>进展和计划</a:t>
+            </a:r>
           </a:p>
         </p:txBody>
       </p:sp>
@@ -5864,10 +6026,138 @@
           <a:bodyPr/>
           <a:lstStyle/>
           <a:p>
+            <a:r>
+              <a:rPr lang="zh-CN" altLang="en-US" dirty="0"/>
+              <a:t>论文</a:t>
+            </a:r>
+            <a:endParaRPr lang="en-US" altLang="zh-CN" dirty="0"/>
+          </a:p>
+          <a:p>
+            <a:pPr lvl="1"/>
+            <a:r>
+              <a:rPr lang="zh-CN" altLang="en-US" dirty="0"/>
+              <a:t>绝大部分章节已经完成</a:t>
+            </a:r>
+            <a:endParaRPr lang="en-US" altLang="zh-CN" dirty="0"/>
+          </a:p>
+          <a:p>
+            <a:pPr lvl="2"/>
+            <a:r>
+              <a:rPr lang="zh-CN" altLang="en-US" dirty="0"/>
+              <a:t>正文已有</a:t>
+            </a:r>
+            <a:r>
+              <a:rPr lang="en-US" altLang="zh-CN" dirty="0"/>
+              <a:t>29</a:t>
+            </a:r>
+            <a:r>
+              <a:rPr lang="zh-CN" altLang="en-US" dirty="0"/>
+              <a:t>页  </a:t>
+            </a:r>
+            <a:r>
+              <a:rPr lang="en-US" altLang="zh-CN" dirty="0"/>
+              <a:t>?-</a:t>
+            </a:r>
+            <a:r>
+              <a:rPr lang="zh-CN" altLang="en-US" dirty="0"/>
+              <a:t>需要多少篇幅</a:t>
+            </a:r>
+            <a:endParaRPr lang="en-US" altLang="zh-CN" dirty="0"/>
+          </a:p>
+          <a:p>
+            <a:pPr lvl="2"/>
+            <a:r>
+              <a:rPr lang="zh-CN" altLang="en-US" dirty="0"/>
+              <a:t>运行结果部分</a:t>
+            </a:r>
+            <a:endParaRPr lang="en-US" altLang="zh-CN" dirty="0"/>
+          </a:p>
+          <a:p>
+            <a:pPr lvl="2"/>
+            <a:r>
+              <a:rPr lang="zh-CN" altLang="en-US" dirty="0"/>
+              <a:t>实现部分还有一个</a:t>
+            </a:r>
+            <a:r>
+              <a:rPr lang="en-US" altLang="zh-CN" dirty="0"/>
+              <a:t>section</a:t>
+            </a:r>
+          </a:p>
+          <a:p>
+            <a:pPr lvl="2"/>
+            <a:r>
+              <a:rPr lang="zh-CN" altLang="en-US" dirty="0"/>
+              <a:t>总结部分未对运行结果做总结</a:t>
+            </a:r>
+            <a:endParaRPr lang="en-US" altLang="zh-CN" dirty="0"/>
+          </a:p>
+          <a:p>
+            <a:pPr lvl="1"/>
+            <a:r>
+              <a:rPr lang="zh-CN" altLang="en-US" dirty="0"/>
+              <a:t>语言和术语的优化，结构优化</a:t>
+            </a:r>
+            <a:endParaRPr lang="en-US" altLang="zh-CN" dirty="0"/>
+          </a:p>
+          <a:p>
+            <a:pPr lvl="2"/>
+            <a:r>
+              <a:rPr lang="zh-CN" altLang="en-US" dirty="0"/>
+              <a:t>较前期写的部分可能存在科学性错误</a:t>
+            </a:r>
+            <a:endParaRPr lang="en-US" altLang="zh-CN" dirty="0"/>
+          </a:p>
+          <a:p>
+            <a:pPr lvl="2"/>
+            <a:r>
+              <a:rPr lang="zh-CN" altLang="en-US" dirty="0"/>
+              <a:t>语言表达优化</a:t>
+            </a:r>
+            <a:endParaRPr lang="en-US" altLang="zh-CN" dirty="0"/>
+          </a:p>
+          <a:p>
+            <a:pPr lvl="2"/>
+            <a:r>
+              <a:rPr lang="zh-CN" altLang="en-US" dirty="0"/>
+              <a:t>文章结构调整</a:t>
+            </a:r>
+            <a:endParaRPr lang="en-US" altLang="zh-CN" dirty="0"/>
+          </a:p>
+          <a:p>
             <a:endParaRPr lang="zh-CN" altLang="en-US" dirty="0"/>
           </a:p>
         </p:txBody>
       </p:sp>
+      <p:pic>
+        <p:nvPicPr>
+          <p:cNvPr id="7" name="图片 6">
+            <a:extLst>
+              <a:ext uri="{FF2B5EF4-FFF2-40B4-BE49-F238E27FC236}">
+                <a16:creationId xmlns:a16="http://schemas.microsoft.com/office/drawing/2014/main" id="{E3DDF8C8-D62D-43FE-02E0-8799093C55FF}"/>
+              </a:ext>
+            </a:extLst>
+          </p:cNvPr>
+          <p:cNvPicPr>
+            <a:picLocks noChangeAspect="1"/>
+          </p:cNvPicPr>
+          <p:nvPr/>
+        </p:nvPicPr>
+        <p:blipFill>
+          <a:blip r:embed="rId2"/>
+          <a:stretch>
+            <a:fillRect/>
+          </a:stretch>
+        </p:blipFill>
+        <p:spPr>
+          <a:xfrm>
+            <a:off x="7002703" y="1114236"/>
+            <a:ext cx="3741744" cy="2743438"/>
+          </a:xfrm>
+          <a:prstGeom prst="rect">
+            <a:avLst/>
+          </a:prstGeom>
+        </p:spPr>
+      </p:pic>
     </p:spTree>
     <p:extLst>
       <p:ext uri="{BB962C8B-B14F-4D97-AF65-F5344CB8AC3E}">
@@ -6066,86 +6356,6 @@
     <p:extLst>
       <p:ext uri="{BB962C8B-B14F-4D97-AF65-F5344CB8AC3E}">
         <p14:creationId xmlns:p14="http://schemas.microsoft.com/office/powerpoint/2010/main" val="1100577848"/>
-      </p:ext>
-    </p:extLst>
-  </p:cSld>
-  <p:clrMapOvr>
-    <a:masterClrMapping/>
-  </p:clrMapOvr>
-</p:sld>
-</file>
-
-<file path=ppt/slides/slide20.xml><?xml version="1.0" encoding="utf-8"?>
-<p:sld xmlns:a="http://schemas.openxmlformats.org/drawingml/2006/main" xmlns:r="http://schemas.openxmlformats.org/officeDocument/2006/relationships" xmlns:p="http://schemas.openxmlformats.org/presentationml/2006/main">
-  <p:cSld>
-    <p:spTree>
-      <p:nvGrpSpPr>
-        <p:cNvPr id="1" name=""/>
-        <p:cNvGrpSpPr/>
-        <p:nvPr/>
-      </p:nvGrpSpPr>
-      <p:grpSpPr>
-        <a:xfrm>
-          <a:off x="0" y="0"/>
-          <a:ext cx="0" cy="0"/>
-          <a:chOff x="0" y="0"/>
-          <a:chExt cx="0" cy="0"/>
-        </a:xfrm>
-      </p:grpSpPr>
-      <p:sp>
-        <p:nvSpPr>
-          <p:cNvPr id="2" name="标题 1">
-            <a:extLst>
-              <a:ext uri="{FF2B5EF4-FFF2-40B4-BE49-F238E27FC236}">
-                <a16:creationId xmlns:a16="http://schemas.microsoft.com/office/drawing/2014/main" id="{151099FD-A33C-33F3-BE3C-A06807B8D2E2}"/>
-              </a:ext>
-            </a:extLst>
-          </p:cNvPr>
-          <p:cNvSpPr>
-            <a:spLocks noGrp="1"/>
-          </p:cNvSpPr>
-          <p:nvPr>
-            <p:ph type="title"/>
-          </p:nvPr>
-        </p:nvSpPr>
-        <p:spPr/>
-        <p:txBody>
-          <a:bodyPr/>
-          <a:lstStyle/>
-          <a:p>
-            <a:endParaRPr lang="zh-CN" altLang="en-US"/>
-          </a:p>
-        </p:txBody>
-      </p:sp>
-      <p:sp>
-        <p:nvSpPr>
-          <p:cNvPr id="3" name="内容占位符 2">
-            <a:extLst>
-              <a:ext uri="{FF2B5EF4-FFF2-40B4-BE49-F238E27FC236}">
-                <a16:creationId xmlns:a16="http://schemas.microsoft.com/office/drawing/2014/main" id="{95C50F58-2D04-AF50-5E19-6D05C26F8AB4}"/>
-              </a:ext>
-            </a:extLst>
-          </p:cNvPr>
-          <p:cNvSpPr>
-            <a:spLocks noGrp="1"/>
-          </p:cNvSpPr>
-          <p:nvPr>
-            <p:ph idx="1"/>
-          </p:nvPr>
-        </p:nvSpPr>
-        <p:spPr/>
-        <p:txBody>
-          <a:bodyPr/>
-          <a:lstStyle/>
-          <a:p>
-            <a:endParaRPr lang="zh-CN" altLang="en-US" dirty="0"/>
-          </a:p>
-        </p:txBody>
-      </p:sp>
-    </p:spTree>
-    <p:extLst>
-      <p:ext uri="{BB962C8B-B14F-4D97-AF65-F5344CB8AC3E}">
-        <p14:creationId xmlns:p14="http://schemas.microsoft.com/office/powerpoint/2010/main" val="1231919226"/>
       </p:ext>
     </p:extLst>
   </p:cSld>
